--- a/DatainCloud.pptx
+++ b/DatainCloud.pptx
@@ -5,7 +5,7 @@
     <p:sldMasterId id="2147483648" r:id="rId1"/>
   </p:sldMasterIdLst>
   <p:notesMasterIdLst>
-    <p:notesMasterId r:id="rId13"/>
+    <p:notesMasterId r:id="rId14"/>
   </p:notesMasterIdLst>
   <p:sldIdLst>
     <p:sldId id="256" r:id="rId2"/>
@@ -18,12 +18,13 @@
     <p:sldId id="264" r:id="rId9"/>
     <p:sldId id="265" r:id="rId10"/>
     <p:sldId id="266" r:id="rId11"/>
-    <p:sldId id="267" r:id="rId12"/>
+    <p:sldId id="268" r:id="rId12"/>
+    <p:sldId id="267" r:id="rId13"/>
   </p:sldIdLst>
   <p:sldSz cx="9144000" cy="6858000" type="screen4x3"/>
   <p:notesSz cx="6858000" cy="9144000"/>
   <p:custDataLst>
-    <p:tags r:id="rId14"/>
+    <p:tags r:id="rId15"/>
   </p:custDataLst>
   <p:defaultTextStyle>
     <a:defPPr>
@@ -3724,7 +3725,7 @@
           <p:cNvPr id="4" name="Object 3" hidden="1">
             <a:extLst>
               <a:ext uri="{FF2B5EF4-FFF2-40B4-BE49-F238E27FC236}">
-                <a16:creationId xmlns:a16="http://schemas.microsoft.com/office/drawing/2014/main" id="{C9E9BBA2-5B28-4E0D-BAAF-B403E7B272FA}"/>
+                <a16:creationId xmlns:a16="http://schemas.microsoft.com/office/drawing/2014/main" id="{F5438AD7-B5AF-459D-94B2-FB6A29D55282}"/>
               </a:ext>
             </a:extLst>
           </p:cNvPr>
@@ -3737,7 +3738,7 @@
             </p:custDataLst>
             <p:extLst>
               <p:ext uri="{D42A27DB-BD31-4B8C-83A1-F6EECF244321}">
-                <p14:modId xmlns:p14="http://schemas.microsoft.com/office/powerpoint/2010/main" val="3529112355"/>
+                <p14:modId xmlns:p14="http://schemas.microsoft.com/office/powerpoint/2010/main" val="1771808789"/>
               </p:ext>
             </p:extLst>
           </p:nvPr>
@@ -3790,7 +3791,7 @@
           <p:cNvPr id="2" name="Title 1">
             <a:extLst>
               <a:ext uri="{FF2B5EF4-FFF2-40B4-BE49-F238E27FC236}">
-                <a16:creationId xmlns:a16="http://schemas.microsoft.com/office/drawing/2014/main" id="{4FC36638-EAE1-4D9E-A170-5A3D8BC14661}"/>
+                <a16:creationId xmlns:a16="http://schemas.microsoft.com/office/drawing/2014/main" id="{831F23E2-FCC0-4425-ABBE-8702C8B99F4D}"/>
               </a:ext>
             </a:extLst>
           </p:cNvPr>
@@ -3809,8 +3810,8 @@
           <a:lstStyle/>
           <a:p>
             <a:r>
-              <a:rPr lang="en-US" dirty="0"/>
-              <a:t>Workshop exercise</a:t>
+              <a:rPr lang="en-US"/>
+              <a:t>IAC and CI/CD</a:t>
             </a:r>
           </a:p>
         </p:txBody>
@@ -3818,7 +3819,7 @@
     </p:spTree>
     <p:extLst>
       <p:ext uri="{BB962C8B-B14F-4D97-AF65-F5344CB8AC3E}">
-        <p14:creationId xmlns:p14="http://schemas.microsoft.com/office/powerpoint/2010/main" val="2740782440"/>
+        <p14:creationId xmlns:p14="http://schemas.microsoft.com/office/powerpoint/2010/main" val="986739705"/>
       </p:ext>
     </p:extLst>
   </p:cSld>
@@ -3828,7 +3829,7 @@
 </p:sld>
 </file>
 
-<file path=ppt/slides/slide2.xml><?xml version="1.0" encoding="utf-8"?>
+<file path=ppt/slides/slide12.xml><?xml version="1.0" encoding="utf-8"?>
 <p:sld xmlns:a="http://schemas.openxmlformats.org/drawingml/2006/main" xmlns:r="http://schemas.openxmlformats.org/officeDocument/2006/relationships" xmlns:p="http://schemas.openxmlformats.org/presentationml/2006/main">
   <p:cSld>
     <p:spTree>
@@ -3847,10 +3848,10 @@
       </p:grpSpPr>
       <p:graphicFrame>
         <p:nvGraphicFramePr>
-          <p:cNvPr id="3" name="Object 2" hidden="1">
+          <p:cNvPr id="4" name="Object 3" hidden="1">
             <a:extLst>
               <a:ext uri="{FF2B5EF4-FFF2-40B4-BE49-F238E27FC236}">
-                <a16:creationId xmlns:a16="http://schemas.microsoft.com/office/drawing/2014/main" id="{69E8DFD5-A89D-48DB-8B72-032D8F03CD44}"/>
+                <a16:creationId xmlns:a16="http://schemas.microsoft.com/office/drawing/2014/main" id="{C9E9BBA2-5B28-4E0D-BAAF-B403E7B272FA}"/>
               </a:ext>
             </a:extLst>
           </p:cNvPr>
@@ -3863,7 +3864,7 @@
             </p:custDataLst>
             <p:extLst>
               <p:ext uri="{D42A27DB-BD31-4B8C-83A1-F6EECF244321}">
-                <p14:modId xmlns:p14="http://schemas.microsoft.com/office/powerpoint/2010/main" val="4231334975"/>
+                <p14:modId xmlns:p14="http://schemas.microsoft.com/office/powerpoint/2010/main" val="3529112355"/>
               </p:ext>
             </p:extLst>
           </p:nvPr>
@@ -3913,6 +3914,132 @@
       </p:graphicFrame>
       <p:sp>
         <p:nvSpPr>
+          <p:cNvPr id="2" name="Title 1">
+            <a:extLst>
+              <a:ext uri="{FF2B5EF4-FFF2-40B4-BE49-F238E27FC236}">
+                <a16:creationId xmlns:a16="http://schemas.microsoft.com/office/drawing/2014/main" id="{4FC36638-EAE1-4D9E-A170-5A3D8BC14661}"/>
+              </a:ext>
+            </a:extLst>
+          </p:cNvPr>
+          <p:cNvSpPr>
+            <a:spLocks noGrp="1"/>
+          </p:cNvSpPr>
+          <p:nvPr>
+            <p:ph type="title"/>
+          </p:nvPr>
+        </p:nvSpPr>
+        <p:spPr/>
+        <p:txBody>
+          <a:bodyPr vert="horz">
+            <a:normAutofit/>
+          </a:bodyPr>
+          <a:lstStyle/>
+          <a:p>
+            <a:r>
+              <a:rPr lang="en-US" dirty="0"/>
+              <a:t>Workshop exercise</a:t>
+            </a:r>
+          </a:p>
+        </p:txBody>
+      </p:sp>
+    </p:spTree>
+    <p:extLst>
+      <p:ext uri="{BB962C8B-B14F-4D97-AF65-F5344CB8AC3E}">
+        <p14:creationId xmlns:p14="http://schemas.microsoft.com/office/powerpoint/2010/main" val="2740782440"/>
+      </p:ext>
+    </p:extLst>
+  </p:cSld>
+  <p:clrMapOvr>
+    <a:masterClrMapping/>
+  </p:clrMapOvr>
+</p:sld>
+</file>
+
+<file path=ppt/slides/slide2.xml><?xml version="1.0" encoding="utf-8"?>
+<p:sld xmlns:a="http://schemas.openxmlformats.org/drawingml/2006/main" xmlns:r="http://schemas.openxmlformats.org/officeDocument/2006/relationships" xmlns:p="http://schemas.openxmlformats.org/presentationml/2006/main">
+  <p:cSld>
+    <p:spTree>
+      <p:nvGrpSpPr>
+        <p:cNvPr id="1" name=""/>
+        <p:cNvGrpSpPr/>
+        <p:nvPr/>
+      </p:nvGrpSpPr>
+      <p:grpSpPr>
+        <a:xfrm>
+          <a:off x="0" y="0"/>
+          <a:ext cx="0" cy="0"/>
+          <a:chOff x="0" y="0"/>
+          <a:chExt cx="0" cy="0"/>
+        </a:xfrm>
+      </p:grpSpPr>
+      <p:graphicFrame>
+        <p:nvGraphicFramePr>
+          <p:cNvPr id="3" name="Object 2" hidden="1">
+            <a:extLst>
+              <a:ext uri="{FF2B5EF4-FFF2-40B4-BE49-F238E27FC236}">
+                <a16:creationId xmlns:a16="http://schemas.microsoft.com/office/drawing/2014/main" id="{69E8DFD5-A89D-48DB-8B72-032D8F03CD44}"/>
+              </a:ext>
+            </a:extLst>
+          </p:cNvPr>
+          <p:cNvGraphicFramePr>
+            <a:graphicFrameLocks noChangeAspect="1"/>
+          </p:cNvGraphicFramePr>
+          <p:nvPr>
+            <p:custDataLst>
+              <p:tags r:id="rId1"/>
+            </p:custDataLst>
+            <p:extLst>
+              <p:ext uri="{D42A27DB-BD31-4B8C-83A1-F6EECF244321}">
+                <p14:modId xmlns:p14="http://schemas.microsoft.com/office/powerpoint/2010/main" val="4231334975"/>
+              </p:ext>
+            </p:extLst>
+          </p:nvPr>
+        </p:nvGraphicFramePr>
+        <p:xfrm>
+          <a:off x="1588" y="1588"/>
+          <a:ext cx="1588" cy="1588"/>
+        </p:xfrm>
+        <a:graphic>
+          <a:graphicData uri="http://schemas.openxmlformats.org/presentationml/2006/ole">
+            <mc:AlternateContent xmlns:mc="http://schemas.openxmlformats.org/markup-compatibility/2006">
+              <mc:Choice xmlns:v="urn:schemas-microsoft-com:vml" Requires="v">
+                <p:oleObj name="think-cell Slide" r:id="rId3" imgW="261" imgH="351" progId="TCLayout.ActiveDocument.1">
+                  <p:embed/>
+                </p:oleObj>
+              </mc:Choice>
+              <mc:Fallback>
+                <p:oleObj name="think-cell Slide" r:id="rId3" imgW="261" imgH="351" progId="TCLayout.ActiveDocument.1">
+                  <p:embed/>
+                  <p:pic>
+                    <p:nvPicPr>
+                      <p:cNvPr id="0" name=""/>
+                      <p:cNvPicPr/>
+                      <p:nvPr/>
+                    </p:nvPicPr>
+                    <p:blipFill>
+                      <a:blip r:embed="rId4"/>
+                      <a:stretch>
+                        <a:fillRect/>
+                      </a:stretch>
+                    </p:blipFill>
+                    <p:spPr>
+                      <a:xfrm>
+                        <a:off x="1588" y="1588"/>
+                        <a:ext cx="1588" cy="1588"/>
+                      </a:xfrm>
+                      <a:prstGeom prst="rect">
+                        <a:avLst/>
+                      </a:prstGeom>
+                    </p:spPr>
+                  </p:pic>
+                </p:oleObj>
+              </mc:Fallback>
+            </mc:AlternateContent>
+          </a:graphicData>
+        </a:graphic>
+      </p:graphicFrame>
+      <p:sp>
+        <p:nvSpPr>
           <p:cNvPr id="2" name="Title 1"/>
           <p:cNvSpPr>
             <a:spLocks noGrp="1"/>
@@ -3949,7 +4076,7 @@
         <p:spPr>
           <a:xfrm>
             <a:off x="457200" y="1600200"/>
-            <a:ext cx="8229600" cy="4721292"/>
+            <a:ext cx="8229600" cy="5312223"/>
           </a:xfrm>
           <a:prstGeom prst="rect">
             <a:avLst/>
@@ -4078,6 +4205,12 @@
             <a:r>
               <a:rPr lang="en-US" dirty="0"/>
               <a:t>General architecture</a:t>
+            </a:r>
+          </a:p>
+          <a:p>
+            <a:r>
+              <a:rPr lang="en-US" dirty="0"/>
+              <a:t>IAC and CI/CD</a:t>
             </a:r>
           </a:p>
           <a:p>
@@ -6872,6 +7005,12 @@
 </file>
 
 <file path=ppt/tags/tag15.xml><?xml version="1.0" encoding="utf-8"?>
+<p:tagLst xmlns:a="http://schemas.openxmlformats.org/drawingml/2006/main" xmlns:r="http://schemas.openxmlformats.org/officeDocument/2006/relationships" xmlns:p="http://schemas.openxmlformats.org/presentationml/2006/main">
+  <p:tag name="THINKCELLSHAPEDONOTDELETE" val="thinkcellActiveDocDoNotDelete"/>
+</p:tagLst>
+</file>
+
+<file path=ppt/tags/tag16.xml><?xml version="1.0" encoding="utf-8"?>
 <p:tagLst xmlns:a="http://schemas.openxmlformats.org/drawingml/2006/main" xmlns:r="http://schemas.openxmlformats.org/officeDocument/2006/relationships" xmlns:p="http://schemas.openxmlformats.org/presentationml/2006/main">
   <p:tag name="THINKCELLSHAPEDONOTDELETE" val="thinkcellActiveDocDoNotDelete"/>
 </p:tagLst>

--- a/DatainCloud.pptx
+++ b/DatainCloud.pptx
@@ -5,26 +5,27 @@
     <p:sldMasterId id="2147483648" r:id="rId1"/>
   </p:sldMasterIdLst>
   <p:notesMasterIdLst>
-    <p:notesMasterId r:id="rId14"/>
+    <p:notesMasterId r:id="rId15"/>
   </p:notesMasterIdLst>
   <p:sldIdLst>
     <p:sldId id="256" r:id="rId2"/>
-    <p:sldId id="257" r:id="rId3"/>
-    <p:sldId id="259" r:id="rId4"/>
-    <p:sldId id="260" r:id="rId5"/>
-    <p:sldId id="261" r:id="rId6"/>
-    <p:sldId id="262" r:id="rId7"/>
-    <p:sldId id="263" r:id="rId8"/>
-    <p:sldId id="264" r:id="rId9"/>
-    <p:sldId id="265" r:id="rId10"/>
-    <p:sldId id="266" r:id="rId11"/>
-    <p:sldId id="268" r:id="rId12"/>
-    <p:sldId id="267" r:id="rId13"/>
+    <p:sldId id="269" r:id="rId3"/>
+    <p:sldId id="257" r:id="rId4"/>
+    <p:sldId id="259" r:id="rId5"/>
+    <p:sldId id="260" r:id="rId6"/>
+    <p:sldId id="261" r:id="rId7"/>
+    <p:sldId id="262" r:id="rId8"/>
+    <p:sldId id="263" r:id="rId9"/>
+    <p:sldId id="264" r:id="rId10"/>
+    <p:sldId id="265" r:id="rId11"/>
+    <p:sldId id="266" r:id="rId12"/>
+    <p:sldId id="268" r:id="rId13"/>
+    <p:sldId id="267" r:id="rId14"/>
   </p:sldIdLst>
   <p:sldSz cx="9144000" cy="6858000" type="screen4x3"/>
   <p:notesSz cx="6858000" cy="9144000"/>
   <p:custDataLst>
-    <p:tags r:id="rId15"/>
+    <p:tags r:id="rId16"/>
   </p:custDataLst>
   <p:defaultTextStyle>
     <a:defPPr>
@@ -140,6 +141,16 @@
 </p:presentation>
 </file>
 
+<file path=ppt/revisionInfo.xml><?xml version="1.0" encoding="utf-8"?>
+<p1510:revInfo xmlns:a="http://schemas.openxmlformats.org/drawingml/2006/main" xmlns:r="http://schemas.openxmlformats.org/officeDocument/2006/relationships" xmlns:p1510="http://schemas.microsoft.com/office/powerpoint/2015/10/main">
+  <p1510:revLst>
+    <p1510:client id="{48FA583D-D92C-4E9A-A68C-CD2853E3D3A7}" v="538" dt="2021-09-13T19:28:28.788"/>
+    <p1510:client id="{92E887B8-377C-4AAF-9E00-750F182A61B1}" v="25" dt="2021-09-14T14:02:06.602"/>
+    <p1510:client id="{D88678BE-C1F0-489E-919F-E0CEB9C6BFEA}" v="8" dt="2021-09-08T00:56:30.716"/>
+  </p1510:revLst>
+</p1510:revInfo>
+</file>
+
 <file path=ppt/notesMasters/notesMaster1.xml><?xml version="1.0" encoding="utf-8"?>
 <p:notesMaster xmlns:a="http://schemas.openxmlformats.org/drawingml/2006/main" xmlns:r="http://schemas.openxmlformats.org/officeDocument/2006/relationships" xmlns:p="http://schemas.openxmlformats.org/presentationml/2006/main">
   <p:cSld>
@@ -222,7 +233,7 @@
           <a:p>
             <a:fld id="{7CEB82EE-7859-43C3-BD1F-7B4F0DAB0F46}" type="datetimeFigureOut">
               <a:rPr lang="en-US" smtClean="0"/>
-              <a:t>9/6/2021</a:t>
+              <a:t>9/14/2021</a:t>
             </a:fld>
             <a:endParaRPr lang="en-US"/>
           </a:p>
@@ -668,7 +679,7 @@
           <a:p>
             <a:fld id="{9755598A-3BAC-4446-A6F4-A5830ABD4FE3}" type="datetimeFigureOut">
               <a:rPr lang="en-US" smtClean="0"/>
-              <a:t>9/6/2021</a:t>
+              <a:t>9/14/2021</a:t>
             </a:fld>
             <a:endParaRPr lang="en-US"/>
           </a:p>
@@ -836,7 +847,7 @@
           <a:p>
             <a:fld id="{9755598A-3BAC-4446-A6F4-A5830ABD4FE3}" type="datetimeFigureOut">
               <a:rPr lang="en-US" smtClean="0"/>
-              <a:t>9/6/2021</a:t>
+              <a:t>9/14/2021</a:t>
             </a:fld>
             <a:endParaRPr lang="en-US"/>
           </a:p>
@@ -1014,7 +1025,7 @@
           <a:p>
             <a:fld id="{9755598A-3BAC-4446-A6F4-A5830ABD4FE3}" type="datetimeFigureOut">
               <a:rPr lang="en-US" smtClean="0"/>
-              <a:t>9/6/2021</a:t>
+              <a:t>9/14/2021</a:t>
             </a:fld>
             <a:endParaRPr lang="en-US"/>
           </a:p>
@@ -1182,7 +1193,7 @@
           <a:p>
             <a:fld id="{9755598A-3BAC-4446-A6F4-A5830ABD4FE3}" type="datetimeFigureOut">
               <a:rPr lang="en-US" smtClean="0"/>
-              <a:t>9/6/2021</a:t>
+              <a:t>9/14/2021</a:t>
             </a:fld>
             <a:endParaRPr lang="en-US"/>
           </a:p>
@@ -1427,7 +1438,7 @@
           <a:p>
             <a:fld id="{9755598A-3BAC-4446-A6F4-A5830ABD4FE3}" type="datetimeFigureOut">
               <a:rPr lang="en-US" smtClean="0"/>
-              <a:t>9/6/2021</a:t>
+              <a:t>9/14/2021</a:t>
             </a:fld>
             <a:endParaRPr lang="en-US"/>
           </a:p>
@@ -1712,7 +1723,7 @@
           <a:p>
             <a:fld id="{9755598A-3BAC-4446-A6F4-A5830ABD4FE3}" type="datetimeFigureOut">
               <a:rPr lang="en-US" smtClean="0"/>
-              <a:t>9/6/2021</a:t>
+              <a:t>9/14/2021</a:t>
             </a:fld>
             <a:endParaRPr lang="en-US"/>
           </a:p>
@@ -2131,7 +2142,7 @@
           <a:p>
             <a:fld id="{9755598A-3BAC-4446-A6F4-A5830ABD4FE3}" type="datetimeFigureOut">
               <a:rPr lang="en-US" smtClean="0"/>
-              <a:t>9/6/2021</a:t>
+              <a:t>9/14/2021</a:t>
             </a:fld>
             <a:endParaRPr lang="en-US"/>
           </a:p>
@@ -2248,7 +2259,7 @@
           <a:p>
             <a:fld id="{9755598A-3BAC-4446-A6F4-A5830ABD4FE3}" type="datetimeFigureOut">
               <a:rPr lang="en-US" smtClean="0"/>
-              <a:t>9/6/2021</a:t>
+              <a:t>9/14/2021</a:t>
             </a:fld>
             <a:endParaRPr lang="en-US"/>
           </a:p>
@@ -2343,7 +2354,7 @@
           <a:p>
             <a:fld id="{9755598A-3BAC-4446-A6F4-A5830ABD4FE3}" type="datetimeFigureOut">
               <a:rPr lang="en-US" smtClean="0"/>
-              <a:t>9/6/2021</a:t>
+              <a:t>9/14/2021</a:t>
             </a:fld>
             <a:endParaRPr lang="en-US"/>
           </a:p>
@@ -2618,7 +2629,7 @@
           <a:p>
             <a:fld id="{9755598A-3BAC-4446-A6F4-A5830ABD4FE3}" type="datetimeFigureOut">
               <a:rPr lang="en-US" smtClean="0"/>
-              <a:t>9/6/2021</a:t>
+              <a:t>9/14/2021</a:t>
             </a:fld>
             <a:endParaRPr lang="en-US"/>
           </a:p>
@@ -2873,7 +2884,7 @@
           <a:p>
             <a:fld id="{9755598A-3BAC-4446-A6F4-A5830ABD4FE3}" type="datetimeFigureOut">
               <a:rPr lang="en-US" smtClean="0"/>
-              <a:t>9/6/2021</a:t>
+              <a:t>9/14/2021</a:t>
             </a:fld>
             <a:endParaRPr lang="en-US"/>
           </a:p>
@@ -2970,7 +2981,7 @@
           </p:cNvGraphicFramePr>
           <p:nvPr userDrawn="1">
             <p:custDataLst>
-              <p:tags r:id="rId13"/>
+              <p:tags r:id="rId14"/>
             </p:custDataLst>
             <p:extLst>
               <p:ext uri="{D42A27DB-BD31-4B8C-83A1-F6EECF244321}">
@@ -2987,21 +2998,27 @@
           <a:graphicData uri="http://schemas.openxmlformats.org/presentationml/2006/ole">
             <mc:AlternateContent xmlns:mc="http://schemas.openxmlformats.org/markup-compatibility/2006">
               <mc:Choice xmlns:v="urn:schemas-microsoft-com:vml" Requires="v">
-                <p:oleObj name="think-cell Slide" r:id="rId14" imgW="261" imgH="351" progId="TCLayout.ActiveDocument.1">
+                <p:oleObj spid="_x0000_s1025" name="think-cell Slide" r:id="rId15" imgW="261" imgH="351" progId="TCLayout.ActiveDocument.1">
                   <p:embed/>
                 </p:oleObj>
               </mc:Choice>
               <mc:Fallback>
-                <p:oleObj name="think-cell Slide" r:id="rId14" imgW="261" imgH="351" progId="TCLayout.ActiveDocument.1">
+                <p:oleObj name="think-cell Slide" r:id="rId15" imgW="261" imgH="351" progId="TCLayout.ActiveDocument.1">
                   <p:embed/>
                   <p:pic>
                     <p:nvPicPr>
-                      <p:cNvPr id="0" name=""/>
+                      <p:cNvPr id="8" name="Object 7" hidden="1">
+                        <a:extLst>
+                          <a:ext uri="{FF2B5EF4-FFF2-40B4-BE49-F238E27FC236}">
+                            <a16:creationId xmlns:a16="http://schemas.microsoft.com/office/drawing/2014/main" id="{D2D7E25F-466E-4283-B40E-614324AC9E00}"/>
+                          </a:ext>
+                        </a:extLst>
+                      </p:cNvPr>
                       <p:cNvPicPr/>
                       <p:nvPr/>
                     </p:nvPicPr>
                     <p:blipFill>
-                      <a:blip r:embed="rId15"/>
+                      <a:blip r:embed="rId16"/>
                       <a:stretch>
                         <a:fillRect/>
                       </a:stretch>
@@ -3150,7 +3167,7 @@
           <a:p>
             <a:fld id="{9755598A-3BAC-4446-A6F4-A5830ABD4FE3}" type="datetimeFigureOut">
               <a:rPr lang="en-US" smtClean="0"/>
-              <a:t>9/6/2021</a:t>
+              <a:t>9/14/2021</a:t>
             </a:fld>
             <a:endParaRPr lang="en-US"/>
           </a:p>
@@ -3539,7 +3556,7 @@
           </p:cNvGraphicFramePr>
           <p:nvPr>
             <p:custDataLst>
-              <p:tags r:id="rId1"/>
+              <p:tags r:id="rId2"/>
             </p:custDataLst>
             <p:extLst>
               <p:ext uri="{D42A27DB-BD31-4B8C-83A1-F6EECF244321}">
@@ -3556,21 +3573,27 @@
           <a:graphicData uri="http://schemas.openxmlformats.org/presentationml/2006/ole">
             <mc:AlternateContent xmlns:mc="http://schemas.openxmlformats.org/markup-compatibility/2006">
               <mc:Choice xmlns:v="urn:schemas-microsoft-com:vml" Requires="v">
-                <p:oleObj name="think-cell Slide" r:id="rId3" imgW="261" imgH="351" progId="TCLayout.ActiveDocument.1">
+                <p:oleObj spid="_x0000_s14337" name="think-cell Slide" r:id="rId4" imgW="261" imgH="351" progId="TCLayout.ActiveDocument.1">
                   <p:embed/>
                 </p:oleObj>
               </mc:Choice>
               <mc:Fallback>
-                <p:oleObj name="think-cell Slide" r:id="rId3" imgW="261" imgH="351" progId="TCLayout.ActiveDocument.1">
+                <p:oleObj name="think-cell Slide" r:id="rId4" imgW="261" imgH="351" progId="TCLayout.ActiveDocument.1">
                   <p:embed/>
                   <p:pic>
                     <p:nvPicPr>
-                      <p:cNvPr id="0" name=""/>
+                      <p:cNvPr id="5" name="Object 4" hidden="1">
+                        <a:extLst>
+                          <a:ext uri="{FF2B5EF4-FFF2-40B4-BE49-F238E27FC236}">
+                            <a16:creationId xmlns:a16="http://schemas.microsoft.com/office/drawing/2014/main" id="{223EE336-6A64-41E4-99FC-B5B2F860647F}"/>
+                          </a:ext>
+                        </a:extLst>
+                      </p:cNvPr>
                       <p:cNvPicPr/>
                       <p:nvPr/>
                     </p:nvPicPr>
                     <p:blipFill>
-                      <a:blip r:embed="rId4"/>
+                      <a:blip r:embed="rId5"/>
                       <a:stretch>
                         <a:fillRect/>
                       </a:stretch>
@@ -3665,12 +3688,84 @@
           <a:chExt cx="0" cy="0"/>
         </a:xfrm>
       </p:grpSpPr>
+      <p:graphicFrame>
+        <p:nvGraphicFramePr>
+          <p:cNvPr id="4" name="Object 3" hidden="1">
+            <a:extLst>
+              <a:ext uri="{FF2B5EF4-FFF2-40B4-BE49-F238E27FC236}">
+                <a16:creationId xmlns:a16="http://schemas.microsoft.com/office/drawing/2014/main" id="{5A14534E-4A9D-4F32-9EC1-360DCA014763}"/>
+              </a:ext>
+            </a:extLst>
+          </p:cNvPr>
+          <p:cNvGraphicFramePr>
+            <a:graphicFrameLocks noChangeAspect="1"/>
+          </p:cNvGraphicFramePr>
+          <p:nvPr>
+            <p:custDataLst>
+              <p:tags r:id="rId2"/>
+            </p:custDataLst>
+            <p:extLst>
+              <p:ext uri="{D42A27DB-BD31-4B8C-83A1-F6EECF244321}">
+                <p14:modId xmlns:p14="http://schemas.microsoft.com/office/powerpoint/2010/main" val="483995157"/>
+              </p:ext>
+            </p:extLst>
+          </p:nvPr>
+        </p:nvGraphicFramePr>
+        <p:xfrm>
+          <a:off x="1588" y="1588"/>
+          <a:ext cx="1588" cy="1588"/>
+        </p:xfrm>
+        <a:graphic>
+          <a:graphicData uri="http://schemas.openxmlformats.org/presentationml/2006/ole">
+            <mc:AlternateContent xmlns:mc="http://schemas.openxmlformats.org/markup-compatibility/2006">
+              <mc:Choice xmlns:v="urn:schemas-microsoft-com:vml" Requires="v">
+                <p:oleObj spid="_x0000_s23553" name="think-cell Slide" r:id="rId4" imgW="261" imgH="351" progId="TCLayout.ActiveDocument.1">
+                  <p:embed/>
+                </p:oleObj>
+              </mc:Choice>
+              <mc:Fallback>
+                <p:oleObj name="think-cell Slide" r:id="rId4" imgW="261" imgH="351" progId="TCLayout.ActiveDocument.1">
+                  <p:embed/>
+                  <p:pic>
+                    <p:nvPicPr>
+                      <p:cNvPr id="4" name="Object 3" hidden="1">
+                        <a:extLst>
+                          <a:ext uri="{FF2B5EF4-FFF2-40B4-BE49-F238E27FC236}">
+                            <a16:creationId xmlns:a16="http://schemas.microsoft.com/office/drawing/2014/main" id="{5A14534E-4A9D-4F32-9EC1-360DCA014763}"/>
+                          </a:ext>
+                        </a:extLst>
+                      </p:cNvPr>
+                      <p:cNvPicPr/>
+                      <p:nvPr/>
+                    </p:nvPicPr>
+                    <p:blipFill>
+                      <a:blip r:embed="rId5"/>
+                      <a:stretch>
+                        <a:fillRect/>
+                      </a:stretch>
+                    </p:blipFill>
+                    <p:spPr>
+                      <a:xfrm>
+                        <a:off x="1588" y="1588"/>
+                        <a:ext cx="1588" cy="1588"/>
+                      </a:xfrm>
+                      <a:prstGeom prst="rect">
+                        <a:avLst/>
+                      </a:prstGeom>
+                    </p:spPr>
+                  </p:pic>
+                </p:oleObj>
+              </mc:Fallback>
+            </mc:AlternateContent>
+          </a:graphicData>
+        </a:graphic>
+      </p:graphicFrame>
       <p:sp>
         <p:nvSpPr>
           <p:cNvPr id="2" name="Title 1">
             <a:extLst>
               <a:ext uri="{FF2B5EF4-FFF2-40B4-BE49-F238E27FC236}">
-                <a16:creationId xmlns:a16="http://schemas.microsoft.com/office/drawing/2014/main" id="{375BDCE3-07A4-4819-8511-886D9220F84E}"/>
+                <a16:creationId xmlns:a16="http://schemas.microsoft.com/office/drawing/2014/main" id="{73708A5C-02CD-47D5-8578-75C1036A6C1F}"/>
               </a:ext>
             </a:extLst>
           </p:cNvPr>
@@ -3683,17 +3778,52 @@
         </p:nvSpPr>
         <p:spPr/>
         <p:txBody>
-          <a:bodyPr/>
+          <a:bodyPr vert="horz">
+            <a:normAutofit/>
+          </a:bodyPr>
           <a:lstStyle/>
           <a:p>
-            <a:endParaRPr lang="en-US"/>
-          </a:p>
-        </p:txBody>
-      </p:sp>
+            <a:r>
+              <a:rPr lang="en-US" dirty="0"/>
+              <a:t>General architecture</a:t>
+            </a:r>
+          </a:p>
+        </p:txBody>
+      </p:sp>
+      <p:pic>
+        <p:nvPicPr>
+          <p:cNvPr id="3" name="Picture 4">
+            <a:extLst>
+              <a:ext uri="{FF2B5EF4-FFF2-40B4-BE49-F238E27FC236}">
+                <a16:creationId xmlns:a16="http://schemas.microsoft.com/office/drawing/2014/main" id="{F316E837-F792-47B3-B976-4D9CD7261192}"/>
+              </a:ext>
+            </a:extLst>
+          </p:cNvPr>
+          <p:cNvPicPr>
+            <a:picLocks noChangeAspect="1"/>
+          </p:cNvPicPr>
+          <p:nvPr/>
+        </p:nvPicPr>
+        <p:blipFill>
+          <a:blip r:embed="rId6"/>
+          <a:stretch>
+            <a:fillRect/>
+          </a:stretch>
+        </p:blipFill>
+        <p:spPr>
+          <a:xfrm>
+            <a:off x="338400" y="2183052"/>
+            <a:ext cx="8602200" cy="3562896"/>
+          </a:xfrm>
+          <a:prstGeom prst="rect">
+            <a:avLst/>
+          </a:prstGeom>
+        </p:spPr>
+      </p:pic>
     </p:spTree>
     <p:extLst>
       <p:ext uri="{BB962C8B-B14F-4D97-AF65-F5344CB8AC3E}">
-        <p14:creationId xmlns:p14="http://schemas.microsoft.com/office/powerpoint/2010/main" val="1216708803"/>
+        <p14:creationId xmlns:p14="http://schemas.microsoft.com/office/powerpoint/2010/main" val="4215340635"/>
       </p:ext>
     </p:extLst>
   </p:cSld>
@@ -3720,106 +3850,106 @@
           <a:chExt cx="0" cy="0"/>
         </a:xfrm>
       </p:grpSpPr>
-      <p:graphicFrame>
-        <p:nvGraphicFramePr>
-          <p:cNvPr id="4" name="Object 3" hidden="1">
+      <p:sp>
+        <p:nvSpPr>
+          <p:cNvPr id="2" name="Title 1">
             <a:extLst>
               <a:ext uri="{FF2B5EF4-FFF2-40B4-BE49-F238E27FC236}">
-                <a16:creationId xmlns:a16="http://schemas.microsoft.com/office/drawing/2014/main" id="{F5438AD7-B5AF-459D-94B2-FB6A29D55282}"/>
+                <a16:creationId xmlns:a16="http://schemas.microsoft.com/office/drawing/2014/main" id="{375BDCE3-07A4-4819-8511-886D9220F84E}"/>
               </a:ext>
             </a:extLst>
           </p:cNvPr>
-          <p:cNvGraphicFramePr>
-            <a:graphicFrameLocks noChangeAspect="1"/>
-          </p:cNvGraphicFramePr>
-          <p:nvPr>
-            <p:custDataLst>
-              <p:tags r:id="rId1"/>
-            </p:custDataLst>
-            <p:extLst>
-              <p:ext uri="{D42A27DB-BD31-4B8C-83A1-F6EECF244321}">
-                <p14:modId xmlns:p14="http://schemas.microsoft.com/office/powerpoint/2010/main" val="1771808789"/>
-              </p:ext>
-            </p:extLst>
-          </p:nvPr>
-        </p:nvGraphicFramePr>
-        <p:xfrm>
-          <a:off x="1588" y="1588"/>
-          <a:ext cx="1588" cy="1588"/>
-        </p:xfrm>
-        <a:graphic>
-          <a:graphicData uri="http://schemas.openxmlformats.org/presentationml/2006/ole">
-            <mc:AlternateContent xmlns:mc="http://schemas.openxmlformats.org/markup-compatibility/2006">
-              <mc:Choice xmlns:v="urn:schemas-microsoft-com:vml" Requires="v">
-                <p:oleObj name="think-cell Slide" r:id="rId3" imgW="261" imgH="351" progId="TCLayout.ActiveDocument.1">
-                  <p:embed/>
-                </p:oleObj>
-              </mc:Choice>
-              <mc:Fallback>
-                <p:oleObj name="think-cell Slide" r:id="rId3" imgW="261" imgH="351" progId="TCLayout.ActiveDocument.1">
-                  <p:embed/>
-                  <p:pic>
-                    <p:nvPicPr>
-                      <p:cNvPr id="0" name=""/>
-                      <p:cNvPicPr/>
-                      <p:nvPr/>
-                    </p:nvPicPr>
-                    <p:blipFill>
-                      <a:blip r:embed="rId4"/>
-                      <a:stretch>
-                        <a:fillRect/>
-                      </a:stretch>
-                    </p:blipFill>
-                    <p:spPr>
-                      <a:xfrm>
-                        <a:off x="1588" y="1588"/>
-                        <a:ext cx="1588" cy="1588"/>
-                      </a:xfrm>
-                      <a:prstGeom prst="rect">
-                        <a:avLst/>
-                      </a:prstGeom>
-                    </p:spPr>
-                  </p:pic>
-                </p:oleObj>
-              </mc:Fallback>
-            </mc:AlternateContent>
-          </a:graphicData>
-        </a:graphic>
-      </p:graphicFrame>
-      <p:sp>
-        <p:nvSpPr>
-          <p:cNvPr id="2" name="Title 1">
+          <p:cNvSpPr>
+            <a:spLocks noGrp="1"/>
+          </p:cNvSpPr>
+          <p:nvPr>
+            <p:ph type="title"/>
+          </p:nvPr>
+        </p:nvSpPr>
+        <p:spPr/>
+        <p:txBody>
+          <a:bodyPr/>
+          <a:lstStyle/>
+          <a:p>
+            <a:r>
+              <a:rPr lang="en-US" dirty="0">
+                <a:cs typeface="Calibri"/>
+              </a:rPr>
+              <a:t>Additional components</a:t>
+            </a:r>
+            <a:endParaRPr lang="en-US" dirty="0"/>
+          </a:p>
+        </p:txBody>
+      </p:sp>
+      <p:sp>
+        <p:nvSpPr>
+          <p:cNvPr id="3" name="TextBox 2">
             <a:extLst>
               <a:ext uri="{FF2B5EF4-FFF2-40B4-BE49-F238E27FC236}">
-                <a16:creationId xmlns:a16="http://schemas.microsoft.com/office/drawing/2014/main" id="{831F23E2-FCC0-4425-ABBE-8702C8B99F4D}"/>
+                <a16:creationId xmlns:a16="http://schemas.microsoft.com/office/drawing/2014/main" id="{03A255D7-0AE3-45F1-A4DB-D7591AF9B68F}"/>
               </a:ext>
             </a:extLst>
           </p:cNvPr>
-          <p:cNvSpPr>
-            <a:spLocks noGrp="1"/>
-          </p:cNvSpPr>
-          <p:nvPr>
-            <p:ph type="title"/>
-          </p:nvPr>
-        </p:nvSpPr>
-        <p:spPr/>
-        <p:txBody>
-          <a:bodyPr vert="horz">
-            <a:normAutofit/>
+          <p:cNvSpPr txBox="1"/>
+          <p:nvPr/>
+        </p:nvSpPr>
+        <p:spPr>
+          <a:xfrm>
+            <a:off x="458842" y="1415104"/>
+            <a:ext cx="2743200" cy="830997"/>
+          </a:xfrm>
+          <a:prstGeom prst="rect">
+            <a:avLst/>
+          </a:prstGeom>
+          <a:noFill/>
+        </p:spPr>
+        <p:txBody>
+          <a:bodyPr rot="0" spcFirstLastPara="0" vertOverflow="overflow" horzOverflow="overflow" vert="horz" wrap="square" lIns="91440" tIns="45720" rIns="91440" bIns="45720" numCol="1" spcCol="0" rtlCol="0" fromWordArt="0" anchor="t" anchorCtr="0" forceAA="0" compatLnSpc="1">
+            <a:prstTxWarp prst="textNoShape">
+              <a:avLst/>
+            </a:prstTxWarp>
+            <a:spAutoFit/>
           </a:bodyPr>
           <a:lstStyle/>
           <a:p>
-            <a:r>
-              <a:rPr lang="en-US"/>
-              <a:t>IAC and CI/CD</a:t>
-            </a:r>
+            <a:pPr marL="285750" indent="-285750">
+              <a:buFont typeface="Arial"/>
+              <a:buChar char="•"/>
+            </a:pPr>
+            <a:r>
+              <a:rPr lang="en-US" sz="2400" dirty="0">
+                <a:cs typeface="Calibri"/>
+              </a:rPr>
+              <a:t>AWS Lambda</a:t>
+            </a:r>
+          </a:p>
+          <a:p>
+            <a:pPr marL="285750" indent="-285750">
+              <a:buFont typeface="Arial"/>
+              <a:buChar char="•"/>
+            </a:pPr>
+            <a:r>
+              <a:rPr lang="en-US" sz="2400" dirty="0">
+                <a:cs typeface="Calibri"/>
+              </a:rPr>
+              <a:t>Azure </a:t>
+            </a:r>
+            <a:r>
+              <a:rPr lang="en-US" sz="2400" dirty="0" err="1">
+                <a:cs typeface="Calibri"/>
+              </a:rPr>
+              <a:t>datafactory</a:t>
+            </a:r>
+            <a:endParaRPr lang="en-US" sz="2400">
+              <a:cs typeface="Calibri"/>
+            </a:endParaRPr>
           </a:p>
         </p:txBody>
       </p:sp>
     </p:spTree>
     <p:extLst>
       <p:ext uri="{BB962C8B-B14F-4D97-AF65-F5344CB8AC3E}">
-        <p14:creationId xmlns:p14="http://schemas.microsoft.com/office/powerpoint/2010/main" val="986739705"/>
+        <p14:creationId xmlns:p14="http://schemas.microsoft.com/office/powerpoint/2010/main" val="1216708803"/>
       </p:ext>
     </p:extLst>
   </p:cSld>
@@ -3851,7 +3981,7 @@
           <p:cNvPr id="4" name="Object 3" hidden="1">
             <a:extLst>
               <a:ext uri="{FF2B5EF4-FFF2-40B4-BE49-F238E27FC236}">
-                <a16:creationId xmlns:a16="http://schemas.microsoft.com/office/drawing/2014/main" id="{C9E9BBA2-5B28-4E0D-BAAF-B403E7B272FA}"/>
+                <a16:creationId xmlns:a16="http://schemas.microsoft.com/office/drawing/2014/main" id="{F5438AD7-B5AF-459D-94B2-FB6A29D55282}"/>
               </a:ext>
             </a:extLst>
           </p:cNvPr>
@@ -3860,11 +3990,11 @@
           </p:cNvGraphicFramePr>
           <p:nvPr>
             <p:custDataLst>
-              <p:tags r:id="rId1"/>
+              <p:tags r:id="rId2"/>
             </p:custDataLst>
             <p:extLst>
               <p:ext uri="{D42A27DB-BD31-4B8C-83A1-F6EECF244321}">
-                <p14:modId xmlns:p14="http://schemas.microsoft.com/office/powerpoint/2010/main" val="3529112355"/>
+                <p14:modId xmlns:p14="http://schemas.microsoft.com/office/powerpoint/2010/main" val="1771808789"/>
               </p:ext>
             </p:extLst>
           </p:nvPr>
@@ -3877,21 +4007,27 @@
           <a:graphicData uri="http://schemas.openxmlformats.org/presentationml/2006/ole">
             <mc:AlternateContent xmlns:mc="http://schemas.openxmlformats.org/markup-compatibility/2006">
               <mc:Choice xmlns:v="urn:schemas-microsoft-com:vml" Requires="v">
-                <p:oleObj name="think-cell Slide" r:id="rId3" imgW="261" imgH="351" progId="TCLayout.ActiveDocument.1">
+                <p:oleObj spid="_x0000_s25601" name="think-cell Slide" r:id="rId4" imgW="261" imgH="351" progId="TCLayout.ActiveDocument.1">
                   <p:embed/>
                 </p:oleObj>
               </mc:Choice>
               <mc:Fallback>
-                <p:oleObj name="think-cell Slide" r:id="rId3" imgW="261" imgH="351" progId="TCLayout.ActiveDocument.1">
+                <p:oleObj name="think-cell Slide" r:id="rId4" imgW="261" imgH="351" progId="TCLayout.ActiveDocument.1">
                   <p:embed/>
                   <p:pic>
                     <p:nvPicPr>
-                      <p:cNvPr id="0" name=""/>
+                      <p:cNvPr id="4" name="Object 3" hidden="1">
+                        <a:extLst>
+                          <a:ext uri="{FF2B5EF4-FFF2-40B4-BE49-F238E27FC236}">
+                            <a16:creationId xmlns:a16="http://schemas.microsoft.com/office/drawing/2014/main" id="{F5438AD7-B5AF-459D-94B2-FB6A29D55282}"/>
+                          </a:ext>
+                        </a:extLst>
+                      </p:cNvPr>
                       <p:cNvPicPr/>
                       <p:nvPr/>
                     </p:nvPicPr>
                     <p:blipFill>
-                      <a:blip r:embed="rId4"/>
+                      <a:blip r:embed="rId5"/>
                       <a:stretch>
                         <a:fillRect/>
                       </a:stretch>
@@ -3917,6 +4053,228 @@
           <p:cNvPr id="2" name="Title 1">
             <a:extLst>
               <a:ext uri="{FF2B5EF4-FFF2-40B4-BE49-F238E27FC236}">
+                <a16:creationId xmlns:a16="http://schemas.microsoft.com/office/drawing/2014/main" id="{831F23E2-FCC0-4425-ABBE-8702C8B99F4D}"/>
+              </a:ext>
+            </a:extLst>
+          </p:cNvPr>
+          <p:cNvSpPr>
+            <a:spLocks noGrp="1"/>
+          </p:cNvSpPr>
+          <p:nvPr>
+            <p:ph type="title"/>
+          </p:nvPr>
+        </p:nvSpPr>
+        <p:spPr/>
+        <p:txBody>
+          <a:bodyPr vert="horz">
+            <a:normAutofit/>
+          </a:bodyPr>
+          <a:lstStyle/>
+          <a:p>
+            <a:r>
+              <a:rPr lang="en-US"/>
+              <a:t>IAC and CI/CD</a:t>
+            </a:r>
+          </a:p>
+        </p:txBody>
+      </p:sp>
+      <p:sp>
+        <p:nvSpPr>
+          <p:cNvPr id="3" name="TextBox 2">
+            <a:extLst>
+              <a:ext uri="{FF2B5EF4-FFF2-40B4-BE49-F238E27FC236}">
+                <a16:creationId xmlns:a16="http://schemas.microsoft.com/office/drawing/2014/main" id="{79A3062F-4B4A-4FB9-B733-38B2A33F5960}"/>
+              </a:ext>
+            </a:extLst>
+          </p:cNvPr>
+          <p:cNvSpPr txBox="1"/>
+          <p:nvPr/>
+        </p:nvSpPr>
+        <p:spPr>
+          <a:xfrm>
+            <a:off x="458842" y="1415104"/>
+            <a:ext cx="8230420" cy="1200329"/>
+          </a:xfrm>
+          <a:prstGeom prst="rect">
+            <a:avLst/>
+          </a:prstGeom>
+          <a:noFill/>
+        </p:spPr>
+        <p:txBody>
+          <a:bodyPr rot="0" spcFirstLastPara="0" vertOverflow="overflow" horzOverflow="overflow" vert="horz" wrap="square" lIns="91440" tIns="45720" rIns="91440" bIns="45720" numCol="1" spcCol="0" rtlCol="0" fromWordArt="0" anchor="t" anchorCtr="0" forceAA="0" compatLnSpc="1">
+            <a:prstTxWarp prst="textNoShape">
+              <a:avLst/>
+            </a:prstTxWarp>
+            <a:spAutoFit/>
+          </a:bodyPr>
+          <a:lstStyle/>
+          <a:p>
+            <a:pPr marL="285750" indent="-285750">
+              <a:buFont typeface="Arial"/>
+              <a:buChar char="•"/>
+            </a:pPr>
+            <a:r>
+              <a:rPr lang="en-US" dirty="0">
+                <a:cs typeface="Calibri"/>
+              </a:rPr>
+              <a:t>Why infrastructure as code?</a:t>
+            </a:r>
+            <a:endParaRPr lang="en-US"/>
+          </a:p>
+          <a:p>
+            <a:pPr marL="285750" indent="-285750">
+              <a:buFont typeface="Arial"/>
+              <a:buChar char="•"/>
+            </a:pPr>
+            <a:r>
+              <a:rPr lang="en-US" dirty="0">
+                <a:cs typeface="Calibri"/>
+              </a:rPr>
+              <a:t>IAC options – Native(Cloud formation, Azure templates), Terraform, </a:t>
+            </a:r>
+            <a:r>
+              <a:rPr lang="en-US" dirty="0" err="1">
+                <a:cs typeface="Calibri"/>
+              </a:rPr>
+              <a:t>Pulumi</a:t>
+            </a:r>
+            <a:endParaRPr lang="en-US" dirty="0">
+              <a:cs typeface="Calibri"/>
+            </a:endParaRPr>
+          </a:p>
+          <a:p>
+            <a:pPr marL="285750" indent="-285750">
+              <a:buFont typeface="Arial"/>
+              <a:buChar char="•"/>
+            </a:pPr>
+            <a:r>
+              <a:rPr lang="en-US" dirty="0">
+                <a:cs typeface="Calibri"/>
+              </a:rPr>
+              <a:t>Why add CI/CD</a:t>
+            </a:r>
+          </a:p>
+          <a:p>
+            <a:pPr marL="285750" indent="-285750">
+              <a:buFont typeface="Arial"/>
+              <a:buChar char="•"/>
+            </a:pPr>
+            <a:r>
+              <a:rPr lang="en-US" dirty="0">
+                <a:cs typeface="Calibri"/>
+              </a:rPr>
+              <a:t>CI/CD options – AWS pipelines, Azure DEVOPS</a:t>
+            </a:r>
+          </a:p>
+        </p:txBody>
+      </p:sp>
+    </p:spTree>
+    <p:extLst>
+      <p:ext uri="{BB962C8B-B14F-4D97-AF65-F5344CB8AC3E}">
+        <p14:creationId xmlns:p14="http://schemas.microsoft.com/office/powerpoint/2010/main" val="986739705"/>
+      </p:ext>
+    </p:extLst>
+  </p:cSld>
+  <p:clrMapOvr>
+    <a:masterClrMapping/>
+  </p:clrMapOvr>
+</p:sld>
+</file>
+
+<file path=ppt/slides/slide13.xml><?xml version="1.0" encoding="utf-8"?>
+<p:sld xmlns:a="http://schemas.openxmlformats.org/drawingml/2006/main" xmlns:r="http://schemas.openxmlformats.org/officeDocument/2006/relationships" xmlns:p="http://schemas.openxmlformats.org/presentationml/2006/main">
+  <p:cSld>
+    <p:spTree>
+      <p:nvGrpSpPr>
+        <p:cNvPr id="1" name=""/>
+        <p:cNvGrpSpPr/>
+        <p:nvPr/>
+      </p:nvGrpSpPr>
+      <p:grpSpPr>
+        <a:xfrm>
+          <a:off x="0" y="0"/>
+          <a:ext cx="0" cy="0"/>
+          <a:chOff x="0" y="0"/>
+          <a:chExt cx="0" cy="0"/>
+        </a:xfrm>
+      </p:grpSpPr>
+      <p:graphicFrame>
+        <p:nvGraphicFramePr>
+          <p:cNvPr id="4" name="Object 3" hidden="1">
+            <a:extLst>
+              <a:ext uri="{FF2B5EF4-FFF2-40B4-BE49-F238E27FC236}">
+                <a16:creationId xmlns:a16="http://schemas.microsoft.com/office/drawing/2014/main" id="{C9E9BBA2-5B28-4E0D-BAAF-B403E7B272FA}"/>
+              </a:ext>
+            </a:extLst>
+          </p:cNvPr>
+          <p:cNvGraphicFramePr>
+            <a:graphicFrameLocks noChangeAspect="1"/>
+          </p:cNvGraphicFramePr>
+          <p:nvPr>
+            <p:custDataLst>
+              <p:tags r:id="rId2"/>
+            </p:custDataLst>
+            <p:extLst>
+              <p:ext uri="{D42A27DB-BD31-4B8C-83A1-F6EECF244321}">
+                <p14:modId xmlns:p14="http://schemas.microsoft.com/office/powerpoint/2010/main" val="3529112355"/>
+              </p:ext>
+            </p:extLst>
+          </p:nvPr>
+        </p:nvGraphicFramePr>
+        <p:xfrm>
+          <a:off x="1588" y="1588"/>
+          <a:ext cx="1588" cy="1588"/>
+        </p:xfrm>
+        <a:graphic>
+          <a:graphicData uri="http://schemas.openxmlformats.org/presentationml/2006/ole">
+            <mc:AlternateContent xmlns:mc="http://schemas.openxmlformats.org/markup-compatibility/2006">
+              <mc:Choice xmlns:v="urn:schemas-microsoft-com:vml" Requires="v">
+                <p:oleObj spid="_x0000_s26625" name="think-cell Slide" r:id="rId4" imgW="261" imgH="351" progId="TCLayout.ActiveDocument.1">
+                  <p:embed/>
+                </p:oleObj>
+              </mc:Choice>
+              <mc:Fallback>
+                <p:oleObj name="think-cell Slide" r:id="rId4" imgW="261" imgH="351" progId="TCLayout.ActiveDocument.1">
+                  <p:embed/>
+                  <p:pic>
+                    <p:nvPicPr>
+                      <p:cNvPr id="4" name="Object 3" hidden="1">
+                        <a:extLst>
+                          <a:ext uri="{FF2B5EF4-FFF2-40B4-BE49-F238E27FC236}">
+                            <a16:creationId xmlns:a16="http://schemas.microsoft.com/office/drawing/2014/main" id="{C9E9BBA2-5B28-4E0D-BAAF-B403E7B272FA}"/>
+                          </a:ext>
+                        </a:extLst>
+                      </p:cNvPr>
+                      <p:cNvPicPr/>
+                      <p:nvPr/>
+                    </p:nvPicPr>
+                    <p:blipFill>
+                      <a:blip r:embed="rId5"/>
+                      <a:stretch>
+                        <a:fillRect/>
+                      </a:stretch>
+                    </p:blipFill>
+                    <p:spPr>
+                      <a:xfrm>
+                        <a:off x="1588" y="1588"/>
+                        <a:ext cx="1588" cy="1588"/>
+                      </a:xfrm>
+                      <a:prstGeom prst="rect">
+                        <a:avLst/>
+                      </a:prstGeom>
+                    </p:spPr>
+                  </p:pic>
+                </p:oleObj>
+              </mc:Fallback>
+            </mc:AlternateContent>
+          </a:graphicData>
+        </a:graphic>
+      </p:graphicFrame>
+      <p:sp>
+        <p:nvSpPr>
+          <p:cNvPr id="2" name="Title 1">
+            <a:extLst>
+              <a:ext uri="{FF2B5EF4-FFF2-40B4-BE49-F238E27FC236}">
                 <a16:creationId xmlns:a16="http://schemas.microsoft.com/office/drawing/2014/main" id="{4FC36638-EAE1-4D9E-A170-5A3D8BC14661}"/>
               </a:ext>
             </a:extLst>
@@ -3939,6 +4297,94 @@
               <a:rPr lang="en-US" dirty="0"/>
               <a:t>Workshop exercise</a:t>
             </a:r>
+          </a:p>
+        </p:txBody>
+      </p:sp>
+      <p:sp>
+        <p:nvSpPr>
+          <p:cNvPr id="3" name="TextBox 2">
+            <a:extLst>
+              <a:ext uri="{FF2B5EF4-FFF2-40B4-BE49-F238E27FC236}">
+                <a16:creationId xmlns:a16="http://schemas.microsoft.com/office/drawing/2014/main" id="{30E8A890-2FB9-4CE3-98F0-B40DF4A8435F}"/>
+              </a:ext>
+            </a:extLst>
+          </p:cNvPr>
+          <p:cNvSpPr txBox="1"/>
+          <p:nvPr/>
+        </p:nvSpPr>
+        <p:spPr>
+          <a:xfrm>
+            <a:off x="458842" y="1443833"/>
+            <a:ext cx="8234524" cy="2031325"/>
+          </a:xfrm>
+          <a:prstGeom prst="rect">
+            <a:avLst/>
+          </a:prstGeom>
+          <a:noFill/>
+        </p:spPr>
+        <p:txBody>
+          <a:bodyPr rot="0" spcFirstLastPara="0" vertOverflow="overflow" horzOverflow="overflow" vert="horz" wrap="square" lIns="91440" tIns="45720" rIns="91440" bIns="45720" numCol="1" spcCol="0" rtlCol="0" fromWordArt="0" anchor="t" anchorCtr="0" forceAA="0" compatLnSpc="1">
+            <a:prstTxWarp prst="textNoShape">
+              <a:avLst/>
+            </a:prstTxWarp>
+            <a:spAutoFit/>
+          </a:bodyPr>
+          <a:lstStyle/>
+          <a:p>
+            <a:r>
+              <a:rPr lang="en-US" dirty="0">
+                <a:cs typeface="Calibri"/>
+              </a:rPr>
+              <a:t>Get crime data in to the cloud</a:t>
+            </a:r>
+          </a:p>
+          <a:p>
+            <a:r>
+              <a:rPr lang="en-US" dirty="0">
+                <a:cs typeface="Calibri"/>
+              </a:rPr>
+              <a:t>Data is provided in a CSV format</a:t>
+            </a:r>
+          </a:p>
+          <a:p>
+            <a:r>
+              <a:rPr lang="en-US" dirty="0">
+                <a:cs typeface="Calibri"/>
+              </a:rPr>
+              <a:t>Need to be able to load to lake flow into data warehouse and report on</a:t>
+            </a:r>
+          </a:p>
+          <a:p>
+            <a:r>
+              <a:rPr lang="en-US" dirty="0">
+                <a:cs typeface="Calibri"/>
+              </a:rPr>
+              <a:t>Choose a platform set up code and start working. CI/CD is optional</a:t>
+            </a:r>
+          </a:p>
+          <a:p>
+            <a:r>
+              <a:rPr lang="en-US">
+                <a:cs typeface="Calibri"/>
+              </a:rPr>
+              <a:t>All code is written in terraform and C# and is in repo</a:t>
+            </a:r>
+          </a:p>
+          <a:p>
+            <a:endParaRPr lang="en-US" dirty="0">
+              <a:cs typeface="Calibri"/>
+            </a:endParaRPr>
+          </a:p>
+          <a:p>
+            <a:r>
+              <a:rPr lang="en-US">
+                <a:cs typeface="Calibri"/>
+              </a:rPr>
+              <a:t>Make this your workshop.</a:t>
+            </a:r>
+            <a:endParaRPr lang="en-US" dirty="0">
+              <a:cs typeface="Calibri"/>
+            </a:endParaRPr>
           </a:p>
         </p:txBody>
       </p:sp>
@@ -3972,75 +4418,15 @@
           <a:chExt cx="0" cy="0"/>
         </a:xfrm>
       </p:grpSpPr>
-      <p:graphicFrame>
-        <p:nvGraphicFramePr>
-          <p:cNvPr id="3" name="Object 2" hidden="1">
+      <p:sp>
+        <p:nvSpPr>
+          <p:cNvPr id="2" name="Title 1">
             <a:extLst>
               <a:ext uri="{FF2B5EF4-FFF2-40B4-BE49-F238E27FC236}">
-                <a16:creationId xmlns:a16="http://schemas.microsoft.com/office/drawing/2014/main" id="{69E8DFD5-A89D-48DB-8B72-032D8F03CD44}"/>
+                <a16:creationId xmlns:a16="http://schemas.microsoft.com/office/drawing/2014/main" id="{60C2832A-6756-4AD3-B635-29BDC3C3863F}"/>
               </a:ext>
             </a:extLst>
           </p:cNvPr>
-          <p:cNvGraphicFramePr>
-            <a:graphicFrameLocks noChangeAspect="1"/>
-          </p:cNvGraphicFramePr>
-          <p:nvPr>
-            <p:custDataLst>
-              <p:tags r:id="rId1"/>
-            </p:custDataLst>
-            <p:extLst>
-              <p:ext uri="{D42A27DB-BD31-4B8C-83A1-F6EECF244321}">
-                <p14:modId xmlns:p14="http://schemas.microsoft.com/office/powerpoint/2010/main" val="4231334975"/>
-              </p:ext>
-            </p:extLst>
-          </p:nvPr>
-        </p:nvGraphicFramePr>
-        <p:xfrm>
-          <a:off x="1588" y="1588"/>
-          <a:ext cx="1588" cy="1588"/>
-        </p:xfrm>
-        <a:graphic>
-          <a:graphicData uri="http://schemas.openxmlformats.org/presentationml/2006/ole">
-            <mc:AlternateContent xmlns:mc="http://schemas.openxmlformats.org/markup-compatibility/2006">
-              <mc:Choice xmlns:v="urn:schemas-microsoft-com:vml" Requires="v">
-                <p:oleObj name="think-cell Slide" r:id="rId3" imgW="261" imgH="351" progId="TCLayout.ActiveDocument.1">
-                  <p:embed/>
-                </p:oleObj>
-              </mc:Choice>
-              <mc:Fallback>
-                <p:oleObj name="think-cell Slide" r:id="rId3" imgW="261" imgH="351" progId="TCLayout.ActiveDocument.1">
-                  <p:embed/>
-                  <p:pic>
-                    <p:nvPicPr>
-                      <p:cNvPr id="0" name=""/>
-                      <p:cNvPicPr/>
-                      <p:nvPr/>
-                    </p:nvPicPr>
-                    <p:blipFill>
-                      <a:blip r:embed="rId4"/>
-                      <a:stretch>
-                        <a:fillRect/>
-                      </a:stretch>
-                    </p:blipFill>
-                    <p:spPr>
-                      <a:xfrm>
-                        <a:off x="1588" y="1588"/>
-                        <a:ext cx="1588" cy="1588"/>
-                      </a:xfrm>
-                      <a:prstGeom prst="rect">
-                        <a:avLst/>
-                      </a:prstGeom>
-                    </p:spPr>
-                  </p:pic>
-                </p:oleObj>
-              </mc:Fallback>
-            </mc:AlternateContent>
-          </a:graphicData>
-        </a:graphic>
-      </p:graphicFrame>
-      <p:sp>
-        <p:nvSpPr>
-          <p:cNvPr id="2" name="Title 1"/>
           <p:cNvSpPr>
             <a:spLocks noGrp="1"/>
           </p:cNvSpPr>
@@ -4050,181 +4436,46 @@
         </p:nvSpPr>
         <p:spPr/>
         <p:txBody>
-          <a:bodyPr vert="horz"/>
+          <a:bodyPr/>
           <a:lstStyle/>
           <a:p>
-            <a:pPr algn="l"/>
-            <a:r>
-              <a:rPr lang="en-US" dirty="0"/>
-              <a:t>Content</a:t>
-            </a:r>
-          </a:p>
-        </p:txBody>
-      </p:sp>
-      <p:sp>
-        <p:nvSpPr>
-          <p:cNvPr id="4" name="TextBox 3">
+            <a:endParaRPr lang="en-US"/>
+          </a:p>
+        </p:txBody>
+      </p:sp>
+      <p:pic>
+        <p:nvPicPr>
+          <p:cNvPr id="4" name="Picture 4" descr="Logo, company name&#10;&#10;Description automatically generated">
             <a:extLst>
               <a:ext uri="{FF2B5EF4-FFF2-40B4-BE49-F238E27FC236}">
-                <a16:creationId xmlns:a16="http://schemas.microsoft.com/office/drawing/2014/main" id="{C1246F01-E616-4206-A89F-6F67C1862DCC}"/>
+                <a16:creationId xmlns:a16="http://schemas.microsoft.com/office/drawing/2014/main" id="{C59E2EE6-3E1F-4CC0-8638-53C141825405}"/>
               </a:ext>
             </a:extLst>
           </p:cNvPr>
-          <p:cNvSpPr txBox="1"/>
-          <p:nvPr/>
-        </p:nvSpPr>
+          <p:cNvPicPr>
+            <a:picLocks noGrp="1" noChangeAspect="1"/>
+          </p:cNvPicPr>
+          <p:nvPr>
+            <p:ph idx="1"/>
+          </p:nvPr>
+        </p:nvPicPr>
+        <p:blipFill>
+          <a:blip r:embed="rId2"/>
+          <a:stretch>
+            <a:fillRect/>
+          </a:stretch>
+        </p:blipFill>
         <p:spPr>
           <a:xfrm>
-            <a:off x="457200" y="1600200"/>
-            <a:ext cx="8229600" cy="5312223"/>
+            <a:off x="548922" y="1600200"/>
+            <a:ext cx="8046156" cy="4525963"/>
           </a:xfrm>
-          <a:prstGeom prst="rect">
-            <a:avLst/>
-          </a:prstGeom>
         </p:spPr>
-        <p:txBody>
-          <a:bodyPr vert="horz" wrap="square" lIns="91440" tIns="45720" rIns="91440" bIns="45720" rtlCol="0">
-            <a:spAutoFit/>
-          </a:bodyPr>
-          <a:lstStyle>
-            <a:lvl1pPr marL="342900" lvl="0" indent="-342900">
-              <a:spcBef>
-                <a:spcPct val="20000"/>
-              </a:spcBef>
-              <a:buFont typeface="Arial" pitchFamily="34" charset="0"/>
-              <a:buChar char="•"/>
-              <a:defRPr sz="3200"/>
-            </a:lvl1pPr>
-            <a:lvl2pPr marL="742950" lvl="1" indent="-285750">
-              <a:spcBef>
-                <a:spcPct val="20000"/>
-              </a:spcBef>
-              <a:buFont typeface="Arial" pitchFamily="34" charset="0"/>
-              <a:buChar char="–"/>
-              <a:defRPr sz="2800"/>
-            </a:lvl2pPr>
-            <a:lvl3pPr marL="1143000" lvl="2" indent="-228600">
-              <a:spcBef>
-                <a:spcPct val="20000"/>
-              </a:spcBef>
-              <a:buFont typeface="Arial" pitchFamily="34" charset="0"/>
-              <a:buChar char="•"/>
-              <a:defRPr sz="2400"/>
-            </a:lvl3pPr>
-            <a:lvl4pPr marL="1600200" lvl="3" indent="-228600">
-              <a:spcBef>
-                <a:spcPct val="20000"/>
-              </a:spcBef>
-              <a:buFont typeface="Arial" pitchFamily="34" charset="0"/>
-              <a:buChar char="–"/>
-              <a:defRPr sz="2000"/>
-            </a:lvl4pPr>
-            <a:lvl5pPr marL="2057400" lvl="4" indent="-228600">
-              <a:spcBef>
-                <a:spcPct val="20000"/>
-              </a:spcBef>
-              <a:buFont typeface="Arial" pitchFamily="34" charset="0"/>
-              <a:buChar char="»"/>
-              <a:defRPr sz="2000"/>
-            </a:lvl5pPr>
-            <a:lvl6pPr marL="2514600" indent="-228600">
-              <a:spcBef>
-                <a:spcPct val="20000"/>
-              </a:spcBef>
-              <a:buFont typeface="Arial" pitchFamily="34" charset="0"/>
-              <a:buChar char="•"/>
-              <a:defRPr sz="2000"/>
-            </a:lvl6pPr>
-            <a:lvl7pPr marL="2971800" indent="-228600">
-              <a:spcBef>
-                <a:spcPct val="20000"/>
-              </a:spcBef>
-              <a:buFont typeface="Arial" pitchFamily="34" charset="0"/>
-              <a:buChar char="•"/>
-              <a:defRPr sz="2000"/>
-            </a:lvl7pPr>
-            <a:lvl8pPr marL="3429000" indent="-228600">
-              <a:spcBef>
-                <a:spcPct val="20000"/>
-              </a:spcBef>
-              <a:buFont typeface="Arial" pitchFamily="34" charset="0"/>
-              <a:buChar char="•"/>
-              <a:defRPr sz="2000"/>
-            </a:lvl8pPr>
-            <a:lvl9pPr marL="3886200" indent="-228600">
-              <a:spcBef>
-                <a:spcPct val="20000"/>
-              </a:spcBef>
-              <a:buFont typeface="Arial" pitchFamily="34" charset="0"/>
-              <a:buChar char="•"/>
-              <a:defRPr sz="2000"/>
-            </a:lvl9pPr>
-          </a:lstStyle>
-          <a:p>
-            <a:r>
-              <a:rPr lang="en-US" dirty="0"/>
-              <a:t>Introductions</a:t>
-            </a:r>
-          </a:p>
-          <a:p>
-            <a:r>
-              <a:rPr lang="en-US" dirty="0"/>
-              <a:t>About the workshop</a:t>
-            </a:r>
-          </a:p>
-          <a:p>
-            <a:r>
-              <a:rPr lang="en-US" dirty="0"/>
-              <a:t>Cloud providers</a:t>
-            </a:r>
-          </a:p>
-          <a:p>
-            <a:r>
-              <a:rPr lang="en-US" dirty="0"/>
-              <a:t>Pre </a:t>
-            </a:r>
-            <a:r>
-              <a:rPr lang="en-US" dirty="0" err="1"/>
-              <a:t>reqs</a:t>
-            </a:r>
-            <a:endParaRPr lang="en-US" dirty="0"/>
-          </a:p>
-          <a:p>
-            <a:r>
-              <a:rPr lang="en-US" dirty="0"/>
-              <a:t>Data lakes/warehouses background</a:t>
-            </a:r>
-          </a:p>
-          <a:p>
-            <a:r>
-              <a:rPr lang="en-US" dirty="0"/>
-              <a:t>Data formats</a:t>
-            </a:r>
-          </a:p>
-          <a:p>
-            <a:r>
-              <a:rPr lang="en-US" dirty="0"/>
-              <a:t>General architecture</a:t>
-            </a:r>
-          </a:p>
-          <a:p>
-            <a:r>
-              <a:rPr lang="en-US" dirty="0"/>
-              <a:t>IAC and CI/CD</a:t>
-            </a:r>
-          </a:p>
-          <a:p>
-            <a:r>
-              <a:rPr lang="en-US" dirty="0"/>
-              <a:t>Workshop exercise</a:t>
-            </a:r>
-          </a:p>
-        </p:txBody>
-      </p:sp>
+      </p:pic>
     </p:spTree>
     <p:extLst>
       <p:ext uri="{BB962C8B-B14F-4D97-AF65-F5344CB8AC3E}">
-        <p14:creationId xmlns:p14="http://schemas.microsoft.com/office/powerpoint/2010/main" val="2948748486"/>
+        <p14:creationId xmlns:p14="http://schemas.microsoft.com/office/powerpoint/2010/main" val="3077066108"/>
       </p:ext>
     </p:extLst>
   </p:cSld>
@@ -4265,11 +4516,11 @@
           </p:cNvGraphicFramePr>
           <p:nvPr>
             <p:custDataLst>
-              <p:tags r:id="rId1"/>
+              <p:tags r:id="rId2"/>
             </p:custDataLst>
             <p:extLst>
               <p:ext uri="{D42A27DB-BD31-4B8C-83A1-F6EECF244321}">
-                <p14:modId xmlns:p14="http://schemas.microsoft.com/office/powerpoint/2010/main" val="4230490800"/>
+                <p14:modId xmlns:p14="http://schemas.microsoft.com/office/powerpoint/2010/main" val="4231334975"/>
               </p:ext>
             </p:extLst>
           </p:nvPr>
@@ -4282,12 +4533,12 @@
           <a:graphicData uri="http://schemas.openxmlformats.org/presentationml/2006/ole">
             <mc:AlternateContent xmlns:mc="http://schemas.openxmlformats.org/markup-compatibility/2006">
               <mc:Choice xmlns:v="urn:schemas-microsoft-com:vml" Requires="v">
-                <p:oleObj name="think-cell Slide" r:id="rId3" imgW="261" imgH="351" progId="TCLayout.ActiveDocument.1">
+                <p:oleObj spid="_x0000_s16385" name="think-cell Slide" r:id="rId4" imgW="261" imgH="351" progId="TCLayout.ActiveDocument.1">
                   <p:embed/>
                 </p:oleObj>
               </mc:Choice>
               <mc:Fallback>
-                <p:oleObj name="think-cell Slide" r:id="rId3" imgW="261" imgH="351" progId="TCLayout.ActiveDocument.1">
+                <p:oleObj name="think-cell Slide" r:id="rId4" imgW="261" imgH="351" progId="TCLayout.ActiveDocument.1">
                   <p:embed/>
                   <p:pic>
                     <p:nvPicPr>
@@ -4302,7 +4553,7 @@
                       <p:nvPr/>
                     </p:nvPicPr>
                     <p:blipFill>
-                      <a:blip r:embed="rId4"/>
+                      <a:blip r:embed="rId5"/>
                       <a:stretch>
                         <a:fillRect/>
                       </a:stretch>
@@ -4341,7 +4592,167 @@
             <a:pPr algn="l"/>
             <a:r>
               <a:rPr lang="en-US" dirty="0"/>
-              <a:t>Introduction</a:t>
+              <a:t>Content</a:t>
+            </a:r>
+          </a:p>
+        </p:txBody>
+      </p:sp>
+      <p:sp>
+        <p:nvSpPr>
+          <p:cNvPr id="4" name="TextBox 3">
+            <a:extLst>
+              <a:ext uri="{FF2B5EF4-FFF2-40B4-BE49-F238E27FC236}">
+                <a16:creationId xmlns:a16="http://schemas.microsoft.com/office/drawing/2014/main" id="{C1246F01-E616-4206-A89F-6F67C1862DCC}"/>
+              </a:ext>
+            </a:extLst>
+          </p:cNvPr>
+          <p:cNvSpPr txBox="1"/>
+          <p:nvPr/>
+        </p:nvSpPr>
+        <p:spPr>
+          <a:xfrm>
+            <a:off x="457200" y="1600200"/>
+            <a:ext cx="8229600" cy="5312223"/>
+          </a:xfrm>
+          <a:prstGeom prst="rect">
+            <a:avLst/>
+          </a:prstGeom>
+        </p:spPr>
+        <p:txBody>
+          <a:bodyPr vert="horz" wrap="square" lIns="91440" tIns="45720" rIns="91440" bIns="45720" rtlCol="0">
+            <a:spAutoFit/>
+          </a:bodyPr>
+          <a:lstStyle>
+            <a:lvl1pPr marL="342900" lvl="0" indent="-342900">
+              <a:spcBef>
+                <a:spcPct val="20000"/>
+              </a:spcBef>
+              <a:buFont typeface="Arial" pitchFamily="34" charset="0"/>
+              <a:buChar char="•"/>
+              <a:defRPr sz="3200"/>
+            </a:lvl1pPr>
+            <a:lvl2pPr marL="742950" lvl="1" indent="-285750">
+              <a:spcBef>
+                <a:spcPct val="20000"/>
+              </a:spcBef>
+              <a:buFont typeface="Arial" pitchFamily="34" charset="0"/>
+              <a:buChar char="–"/>
+              <a:defRPr sz="2800"/>
+            </a:lvl2pPr>
+            <a:lvl3pPr marL="1143000" lvl="2" indent="-228600">
+              <a:spcBef>
+                <a:spcPct val="20000"/>
+              </a:spcBef>
+              <a:buFont typeface="Arial" pitchFamily="34" charset="0"/>
+              <a:buChar char="•"/>
+              <a:defRPr sz="2400"/>
+            </a:lvl3pPr>
+            <a:lvl4pPr marL="1600200" lvl="3" indent="-228600">
+              <a:spcBef>
+                <a:spcPct val="20000"/>
+              </a:spcBef>
+              <a:buFont typeface="Arial" pitchFamily="34" charset="0"/>
+              <a:buChar char="–"/>
+              <a:defRPr sz="2000"/>
+            </a:lvl4pPr>
+            <a:lvl5pPr marL="2057400" lvl="4" indent="-228600">
+              <a:spcBef>
+                <a:spcPct val="20000"/>
+              </a:spcBef>
+              <a:buFont typeface="Arial" pitchFamily="34" charset="0"/>
+              <a:buChar char="»"/>
+              <a:defRPr sz="2000"/>
+            </a:lvl5pPr>
+            <a:lvl6pPr marL="2514600" indent="-228600">
+              <a:spcBef>
+                <a:spcPct val="20000"/>
+              </a:spcBef>
+              <a:buFont typeface="Arial" pitchFamily="34" charset="0"/>
+              <a:buChar char="•"/>
+              <a:defRPr sz="2000"/>
+            </a:lvl6pPr>
+            <a:lvl7pPr marL="2971800" indent="-228600">
+              <a:spcBef>
+                <a:spcPct val="20000"/>
+              </a:spcBef>
+              <a:buFont typeface="Arial" pitchFamily="34" charset="0"/>
+              <a:buChar char="•"/>
+              <a:defRPr sz="2000"/>
+            </a:lvl7pPr>
+            <a:lvl8pPr marL="3429000" indent="-228600">
+              <a:spcBef>
+                <a:spcPct val="20000"/>
+              </a:spcBef>
+              <a:buFont typeface="Arial" pitchFamily="34" charset="0"/>
+              <a:buChar char="•"/>
+              <a:defRPr sz="2000"/>
+            </a:lvl8pPr>
+            <a:lvl9pPr marL="3886200" indent="-228600">
+              <a:spcBef>
+                <a:spcPct val="20000"/>
+              </a:spcBef>
+              <a:buFont typeface="Arial" pitchFamily="34" charset="0"/>
+              <a:buChar char="•"/>
+              <a:defRPr sz="2000"/>
+            </a:lvl9pPr>
+          </a:lstStyle>
+          <a:p>
+            <a:r>
+              <a:rPr lang="en-US" dirty="0"/>
+              <a:t>Introductions</a:t>
+            </a:r>
+          </a:p>
+          <a:p>
+            <a:r>
+              <a:rPr lang="en-US" dirty="0"/>
+              <a:t>About the workshop</a:t>
+            </a:r>
+          </a:p>
+          <a:p>
+            <a:r>
+              <a:rPr lang="en-US" dirty="0"/>
+              <a:t>Cloud providers</a:t>
+            </a:r>
+          </a:p>
+          <a:p>
+            <a:r>
+              <a:rPr lang="en-US" dirty="0"/>
+              <a:t>Pre </a:t>
+            </a:r>
+            <a:r>
+              <a:rPr lang="en-US" dirty="0" err="1"/>
+              <a:t>reqs</a:t>
+            </a:r>
+            <a:endParaRPr lang="en-US" dirty="0"/>
+          </a:p>
+          <a:p>
+            <a:r>
+              <a:rPr lang="en-US" dirty="0"/>
+              <a:t>Data lakes/warehouses background</a:t>
+            </a:r>
+          </a:p>
+          <a:p>
+            <a:r>
+              <a:rPr lang="en-US" dirty="0"/>
+              <a:t>Data formats</a:t>
+            </a:r>
+          </a:p>
+          <a:p>
+            <a:r>
+              <a:rPr lang="en-US" dirty="0"/>
+              <a:t>General architecture</a:t>
+            </a:r>
+          </a:p>
+          <a:p>
+            <a:r>
+              <a:rPr lang="en-US" dirty="0"/>
+              <a:t>IAC and CI/CD</a:t>
+            </a:r>
+          </a:p>
+          <a:p>
+            <a:r>
+              <a:rPr lang="en-US" dirty="0"/>
+              <a:t>Workshop exercise</a:t>
             </a:r>
           </a:p>
         </p:txBody>
@@ -4349,7 +4760,7 @@
     </p:spTree>
     <p:extLst>
       <p:ext uri="{BB962C8B-B14F-4D97-AF65-F5344CB8AC3E}">
-        <p14:creationId xmlns:p14="http://schemas.microsoft.com/office/powerpoint/2010/main" val="1061114400"/>
+        <p14:creationId xmlns:p14="http://schemas.microsoft.com/office/powerpoint/2010/main" val="2948748486"/>
       </p:ext>
     </p:extLst>
   </p:cSld>
@@ -4378,10 +4789,10 @@
       </p:grpSpPr>
       <p:graphicFrame>
         <p:nvGraphicFramePr>
-          <p:cNvPr id="4" name="Object 3" hidden="1">
+          <p:cNvPr id="3" name="Object 2" hidden="1">
             <a:extLst>
               <a:ext uri="{FF2B5EF4-FFF2-40B4-BE49-F238E27FC236}">
-                <a16:creationId xmlns:a16="http://schemas.microsoft.com/office/drawing/2014/main" id="{C0115B0E-9C30-47F6-8D59-4D0A22CA9927}"/>
+                <a16:creationId xmlns:a16="http://schemas.microsoft.com/office/drawing/2014/main" id="{69E8DFD5-A89D-48DB-8B72-032D8F03CD44}"/>
               </a:ext>
             </a:extLst>
           </p:cNvPr>
@@ -4390,11 +4801,11 @@
           </p:cNvGraphicFramePr>
           <p:nvPr>
             <p:custDataLst>
-              <p:tags r:id="rId1"/>
+              <p:tags r:id="rId2"/>
             </p:custDataLst>
             <p:extLst>
               <p:ext uri="{D42A27DB-BD31-4B8C-83A1-F6EECF244321}">
-                <p14:modId xmlns:p14="http://schemas.microsoft.com/office/powerpoint/2010/main" val="2522535840"/>
+                <p14:modId xmlns:p14="http://schemas.microsoft.com/office/powerpoint/2010/main" val="4230490800"/>
               </p:ext>
             </p:extLst>
           </p:nvPr>
@@ -4407,21 +4818,27 @@
           <a:graphicData uri="http://schemas.openxmlformats.org/presentationml/2006/ole">
             <mc:AlternateContent xmlns:mc="http://schemas.openxmlformats.org/markup-compatibility/2006">
               <mc:Choice xmlns:v="urn:schemas-microsoft-com:vml" Requires="v">
-                <p:oleObj name="think-cell Slide" r:id="rId3" imgW="261" imgH="351" progId="TCLayout.ActiveDocument.1">
+                <p:oleObj spid="_x0000_s17409" name="think-cell Slide" r:id="rId4" imgW="261" imgH="351" progId="TCLayout.ActiveDocument.1">
                   <p:embed/>
                 </p:oleObj>
               </mc:Choice>
               <mc:Fallback>
-                <p:oleObj name="think-cell Slide" r:id="rId3" imgW="261" imgH="351" progId="TCLayout.ActiveDocument.1">
+                <p:oleObj name="think-cell Slide" r:id="rId4" imgW="261" imgH="351" progId="TCLayout.ActiveDocument.1">
                   <p:embed/>
                   <p:pic>
                     <p:nvPicPr>
-                      <p:cNvPr id="0" name=""/>
+                      <p:cNvPr id="3" name="Object 2" hidden="1">
+                        <a:extLst>
+                          <a:ext uri="{FF2B5EF4-FFF2-40B4-BE49-F238E27FC236}">
+                            <a16:creationId xmlns:a16="http://schemas.microsoft.com/office/drawing/2014/main" id="{69E8DFD5-A89D-48DB-8B72-032D8F03CD44}"/>
+                          </a:ext>
+                        </a:extLst>
+                      </p:cNvPr>
                       <p:cNvPicPr/>
                       <p:nvPr/>
                     </p:nvPicPr>
                     <p:blipFill>
-                      <a:blip r:embed="rId4"/>
+                      <a:blip r:embed="rId5"/>
                       <a:stretch>
                         <a:fillRect/>
                       </a:stretch>
@@ -4444,176 +4861,61 @@
       </p:graphicFrame>
       <p:sp>
         <p:nvSpPr>
-          <p:cNvPr id="2" name="Title 1">
+          <p:cNvPr id="2" name="Title 1"/>
+          <p:cNvSpPr>
+            <a:spLocks noGrp="1"/>
+          </p:cNvSpPr>
+          <p:nvPr>
+            <p:ph type="title"/>
+          </p:nvPr>
+        </p:nvSpPr>
+        <p:spPr/>
+        <p:txBody>
+          <a:bodyPr vert="horz"/>
+          <a:lstStyle/>
+          <a:p>
+            <a:pPr algn="l"/>
+            <a:r>
+              <a:rPr lang="en-US" dirty="0"/>
+              <a:t>Introduction</a:t>
+            </a:r>
+          </a:p>
+        </p:txBody>
+      </p:sp>
+      <p:pic>
+        <p:nvPicPr>
+          <p:cNvPr id="4" name="Picture 4">
             <a:extLst>
               <a:ext uri="{FF2B5EF4-FFF2-40B4-BE49-F238E27FC236}">
-                <a16:creationId xmlns:a16="http://schemas.microsoft.com/office/drawing/2014/main" id="{464C820E-630C-441E-8784-156E83837388}"/>
+                <a16:creationId xmlns:a16="http://schemas.microsoft.com/office/drawing/2014/main" id="{329ADBD1-BC19-49B7-A371-B2E75B0041E5}"/>
               </a:ext>
             </a:extLst>
           </p:cNvPr>
-          <p:cNvSpPr>
-            <a:spLocks noGrp="1"/>
-          </p:cNvSpPr>
-          <p:nvPr>
-            <p:ph type="title"/>
-          </p:nvPr>
-        </p:nvSpPr>
-        <p:spPr/>
-        <p:txBody>
-          <a:bodyPr vert="horz">
-            <a:normAutofit/>
-          </a:bodyPr>
-          <a:lstStyle/>
-          <a:p>
-            <a:r>
-              <a:rPr lang="en-US" dirty="0"/>
-              <a:t>About the workshop</a:t>
-            </a:r>
-          </a:p>
-        </p:txBody>
-      </p:sp>
-      <p:sp>
-        <p:nvSpPr>
-          <p:cNvPr id="8" name="TextBox 7">
-            <a:extLst>
-              <a:ext uri="{FF2B5EF4-FFF2-40B4-BE49-F238E27FC236}">
-                <a16:creationId xmlns:a16="http://schemas.microsoft.com/office/drawing/2014/main" id="{84486F72-0242-4291-9F96-D7AE9B56BD08}"/>
-              </a:ext>
-            </a:extLst>
-          </p:cNvPr>
-          <p:cNvSpPr txBox="1"/>
+          <p:cNvPicPr>
+            <a:picLocks noChangeAspect="1"/>
+          </p:cNvPicPr>
           <p:nvPr/>
-        </p:nvSpPr>
+        </p:nvPicPr>
+        <p:blipFill>
+          <a:blip r:embed="rId6"/>
+          <a:stretch>
+            <a:fillRect/>
+          </a:stretch>
+        </p:blipFill>
         <p:spPr>
           <a:xfrm>
-            <a:off x="457200" y="1600200"/>
-            <a:ext cx="8229600" cy="2850011"/>
+            <a:off x="3188108" y="1965600"/>
+            <a:ext cx="2317784" cy="4114800"/>
           </a:xfrm>
           <a:prstGeom prst="rect">
             <a:avLst/>
           </a:prstGeom>
         </p:spPr>
-        <p:txBody>
-          <a:bodyPr vert="horz" wrap="square" lIns="91440" tIns="45720" rIns="91440" bIns="45720" rtlCol="0">
-            <a:spAutoFit/>
-          </a:bodyPr>
-          <a:lstStyle>
-            <a:lvl1pPr marL="342900" lvl="0" indent="-342900">
-              <a:spcBef>
-                <a:spcPct val="20000"/>
-              </a:spcBef>
-              <a:buFont typeface="Arial" pitchFamily="34" charset="0"/>
-              <a:buChar char="•"/>
-              <a:defRPr sz="3200"/>
-            </a:lvl1pPr>
-            <a:lvl2pPr marL="742950" lvl="1" indent="-285750">
-              <a:spcBef>
-                <a:spcPct val="20000"/>
-              </a:spcBef>
-              <a:buFont typeface="Arial" pitchFamily="34" charset="0"/>
-              <a:buChar char="–"/>
-              <a:defRPr sz="2800"/>
-            </a:lvl2pPr>
-            <a:lvl3pPr marL="1143000" lvl="2" indent="-228600">
-              <a:spcBef>
-                <a:spcPct val="20000"/>
-              </a:spcBef>
-              <a:buFont typeface="Arial" pitchFamily="34" charset="0"/>
-              <a:buChar char="•"/>
-              <a:defRPr sz="2400"/>
-            </a:lvl3pPr>
-            <a:lvl4pPr marL="1600200" lvl="3" indent="-228600">
-              <a:spcBef>
-                <a:spcPct val="20000"/>
-              </a:spcBef>
-              <a:buFont typeface="Arial" pitchFamily="34" charset="0"/>
-              <a:buChar char="–"/>
-              <a:defRPr sz="2000"/>
-            </a:lvl4pPr>
-            <a:lvl5pPr marL="2057400" lvl="4" indent="-228600">
-              <a:spcBef>
-                <a:spcPct val="20000"/>
-              </a:spcBef>
-              <a:buFont typeface="Arial" pitchFamily="34" charset="0"/>
-              <a:buChar char="»"/>
-              <a:defRPr sz="2000"/>
-            </a:lvl5pPr>
-            <a:lvl6pPr marL="2514600" indent="-228600">
-              <a:spcBef>
-                <a:spcPct val="20000"/>
-              </a:spcBef>
-              <a:buFont typeface="Arial" pitchFamily="34" charset="0"/>
-              <a:buChar char="•"/>
-              <a:defRPr sz="2000"/>
-            </a:lvl6pPr>
-            <a:lvl7pPr marL="2971800" indent="-228600">
-              <a:spcBef>
-                <a:spcPct val="20000"/>
-              </a:spcBef>
-              <a:buFont typeface="Arial" pitchFamily="34" charset="0"/>
-              <a:buChar char="•"/>
-              <a:defRPr sz="2000"/>
-            </a:lvl7pPr>
-            <a:lvl8pPr marL="3429000" indent="-228600">
-              <a:spcBef>
-                <a:spcPct val="20000"/>
-              </a:spcBef>
-              <a:buFont typeface="Arial" pitchFamily="34" charset="0"/>
-              <a:buChar char="•"/>
-              <a:defRPr sz="2000"/>
-            </a:lvl8pPr>
-            <a:lvl9pPr marL="3886200" indent="-228600">
-              <a:spcBef>
-                <a:spcPct val="20000"/>
-              </a:spcBef>
-              <a:buFont typeface="Arial" pitchFamily="34" charset="0"/>
-              <a:buChar char="•"/>
-              <a:defRPr sz="2000"/>
-            </a:lvl9pPr>
-          </a:lstStyle>
-          <a:p>
-            <a:r>
-              <a:rPr lang="en-US" dirty="0"/>
-              <a:t>Workshop content:</a:t>
-            </a:r>
-          </a:p>
-          <a:p>
-            <a:pPr marL="0" indent="0">
-              <a:buNone/>
-            </a:pPr>
-            <a:r>
-              <a:rPr lang="en-US" dirty="0"/>
-              <a:t>	</a:t>
-            </a:r>
-            <a:r>
-              <a:rPr lang="en-US" dirty="0">
-                <a:hlinkClick r:id="rId5"/>
-              </a:rPr>
-              <a:t>https://github.com/yairs2000/DataInCloud</a:t>
-            </a:r>
-            <a:endParaRPr lang="en-US" dirty="0"/>
-          </a:p>
-          <a:p>
-            <a:pPr marL="0" indent="0">
-              <a:buNone/>
-            </a:pPr>
-            <a:endParaRPr lang="en-US" dirty="0"/>
-          </a:p>
-          <a:p>
-            <a:pPr marL="0" indent="0">
-              <a:buNone/>
-            </a:pPr>
-            <a:r>
-              <a:rPr lang="en-US" dirty="0"/>
-              <a:t>Not meant to deliver production experience. Just the basics.</a:t>
-            </a:r>
-          </a:p>
-        </p:txBody>
-      </p:sp>
+      </p:pic>
     </p:spTree>
     <p:extLst>
       <p:ext uri="{BB962C8B-B14F-4D97-AF65-F5344CB8AC3E}">
-        <p14:creationId xmlns:p14="http://schemas.microsoft.com/office/powerpoint/2010/main" val="1362773674"/>
+        <p14:creationId xmlns:p14="http://schemas.microsoft.com/office/powerpoint/2010/main" val="1061114400"/>
       </p:ext>
     </p:extLst>
   </p:cSld>
@@ -4645,7 +4947,7 @@
           <p:cNvPr id="4" name="Object 3" hidden="1">
             <a:extLst>
               <a:ext uri="{FF2B5EF4-FFF2-40B4-BE49-F238E27FC236}">
-                <a16:creationId xmlns:a16="http://schemas.microsoft.com/office/drawing/2014/main" id="{A5298C04-F25C-4610-BE57-07475049E5A8}"/>
+                <a16:creationId xmlns:a16="http://schemas.microsoft.com/office/drawing/2014/main" id="{C0115B0E-9C30-47F6-8D59-4D0A22CA9927}"/>
               </a:ext>
             </a:extLst>
           </p:cNvPr>
@@ -4654,11 +4956,11 @@
           </p:cNvGraphicFramePr>
           <p:nvPr>
             <p:custDataLst>
-              <p:tags r:id="rId1"/>
+              <p:tags r:id="rId2"/>
             </p:custDataLst>
             <p:extLst>
               <p:ext uri="{D42A27DB-BD31-4B8C-83A1-F6EECF244321}">
-                <p14:modId xmlns:p14="http://schemas.microsoft.com/office/powerpoint/2010/main" val="3604409473"/>
+                <p14:modId xmlns:p14="http://schemas.microsoft.com/office/powerpoint/2010/main" val="2522535840"/>
               </p:ext>
             </p:extLst>
           </p:nvPr>
@@ -4671,21 +4973,27 @@
           <a:graphicData uri="http://schemas.openxmlformats.org/presentationml/2006/ole">
             <mc:AlternateContent xmlns:mc="http://schemas.openxmlformats.org/markup-compatibility/2006">
               <mc:Choice xmlns:v="urn:schemas-microsoft-com:vml" Requires="v">
-                <p:oleObj name="think-cell Slide" r:id="rId6" imgW="261" imgH="351" progId="TCLayout.ActiveDocument.1">
+                <p:oleObj spid="_x0000_s18433" name="think-cell Slide" r:id="rId4" imgW="261" imgH="351" progId="TCLayout.ActiveDocument.1">
                   <p:embed/>
                 </p:oleObj>
               </mc:Choice>
               <mc:Fallback>
-                <p:oleObj name="think-cell Slide" r:id="rId6" imgW="261" imgH="351" progId="TCLayout.ActiveDocument.1">
+                <p:oleObj name="think-cell Slide" r:id="rId4" imgW="261" imgH="351" progId="TCLayout.ActiveDocument.1">
                   <p:embed/>
                   <p:pic>
                     <p:nvPicPr>
-                      <p:cNvPr id="0" name=""/>
+                      <p:cNvPr id="4" name="Object 3" hidden="1">
+                        <a:extLst>
+                          <a:ext uri="{FF2B5EF4-FFF2-40B4-BE49-F238E27FC236}">
+                            <a16:creationId xmlns:a16="http://schemas.microsoft.com/office/drawing/2014/main" id="{C0115B0E-9C30-47F6-8D59-4D0A22CA9927}"/>
+                          </a:ext>
+                        </a:extLst>
+                      </p:cNvPr>
                       <p:cNvPicPr/>
                       <p:nvPr/>
                     </p:nvPicPr>
                     <p:blipFill>
-                      <a:blip r:embed="rId7"/>
+                      <a:blip r:embed="rId5"/>
                       <a:stretch>
                         <a:fillRect/>
                       </a:stretch>
@@ -4711,6 +5019,286 @@
           <p:cNvPr id="2" name="Title 1">
             <a:extLst>
               <a:ext uri="{FF2B5EF4-FFF2-40B4-BE49-F238E27FC236}">
+                <a16:creationId xmlns:a16="http://schemas.microsoft.com/office/drawing/2014/main" id="{464C820E-630C-441E-8784-156E83837388}"/>
+              </a:ext>
+            </a:extLst>
+          </p:cNvPr>
+          <p:cNvSpPr>
+            <a:spLocks noGrp="1"/>
+          </p:cNvSpPr>
+          <p:nvPr>
+            <p:ph type="title"/>
+          </p:nvPr>
+        </p:nvSpPr>
+        <p:spPr/>
+        <p:txBody>
+          <a:bodyPr vert="horz">
+            <a:normAutofit/>
+          </a:bodyPr>
+          <a:lstStyle/>
+          <a:p>
+            <a:r>
+              <a:rPr lang="en-US" dirty="0"/>
+              <a:t>About the workshop</a:t>
+            </a:r>
+          </a:p>
+        </p:txBody>
+      </p:sp>
+      <p:sp>
+        <p:nvSpPr>
+          <p:cNvPr id="8" name="TextBox 7">
+            <a:extLst>
+              <a:ext uri="{FF2B5EF4-FFF2-40B4-BE49-F238E27FC236}">
+                <a16:creationId xmlns:a16="http://schemas.microsoft.com/office/drawing/2014/main" id="{84486F72-0242-4291-9F96-D7AE9B56BD08}"/>
+              </a:ext>
+            </a:extLst>
+          </p:cNvPr>
+          <p:cNvSpPr txBox="1"/>
+          <p:nvPr/>
+        </p:nvSpPr>
+        <p:spPr>
+          <a:xfrm>
+            <a:off x="457200" y="1600200"/>
+            <a:ext cx="8229600" cy="2850011"/>
+          </a:xfrm>
+          <a:prstGeom prst="rect">
+            <a:avLst/>
+          </a:prstGeom>
+        </p:spPr>
+        <p:txBody>
+          <a:bodyPr vert="horz" wrap="square" lIns="91440" tIns="45720" rIns="91440" bIns="45720" rtlCol="0" anchor="t">
+            <a:spAutoFit/>
+          </a:bodyPr>
+          <a:lstStyle>
+            <a:lvl1pPr marL="342900" lvl="0" indent="-342900">
+              <a:spcBef>
+                <a:spcPct val="20000"/>
+              </a:spcBef>
+              <a:buFont typeface="Arial" pitchFamily="34" charset="0"/>
+              <a:buChar char="•"/>
+              <a:defRPr sz="3200"/>
+            </a:lvl1pPr>
+            <a:lvl2pPr marL="742950" lvl="1" indent="-285750">
+              <a:spcBef>
+                <a:spcPct val="20000"/>
+              </a:spcBef>
+              <a:buFont typeface="Arial" pitchFamily="34" charset="0"/>
+              <a:buChar char="–"/>
+              <a:defRPr sz="2800"/>
+            </a:lvl2pPr>
+            <a:lvl3pPr marL="1143000" lvl="2" indent="-228600">
+              <a:spcBef>
+                <a:spcPct val="20000"/>
+              </a:spcBef>
+              <a:buFont typeface="Arial" pitchFamily="34" charset="0"/>
+              <a:buChar char="•"/>
+              <a:defRPr sz="2400"/>
+            </a:lvl3pPr>
+            <a:lvl4pPr marL="1600200" lvl="3" indent="-228600">
+              <a:spcBef>
+                <a:spcPct val="20000"/>
+              </a:spcBef>
+              <a:buFont typeface="Arial" pitchFamily="34" charset="0"/>
+              <a:buChar char="–"/>
+              <a:defRPr sz="2000"/>
+            </a:lvl4pPr>
+            <a:lvl5pPr marL="2057400" lvl="4" indent="-228600">
+              <a:spcBef>
+                <a:spcPct val="20000"/>
+              </a:spcBef>
+              <a:buFont typeface="Arial" pitchFamily="34" charset="0"/>
+              <a:buChar char="»"/>
+              <a:defRPr sz="2000"/>
+            </a:lvl5pPr>
+            <a:lvl6pPr marL="2514600" indent="-228600">
+              <a:spcBef>
+                <a:spcPct val="20000"/>
+              </a:spcBef>
+              <a:buFont typeface="Arial" pitchFamily="34" charset="0"/>
+              <a:buChar char="•"/>
+              <a:defRPr sz="2000"/>
+            </a:lvl6pPr>
+            <a:lvl7pPr marL="2971800" indent="-228600">
+              <a:spcBef>
+                <a:spcPct val="20000"/>
+              </a:spcBef>
+              <a:buFont typeface="Arial" pitchFamily="34" charset="0"/>
+              <a:buChar char="•"/>
+              <a:defRPr sz="2000"/>
+            </a:lvl7pPr>
+            <a:lvl8pPr marL="3429000" indent="-228600">
+              <a:spcBef>
+                <a:spcPct val="20000"/>
+              </a:spcBef>
+              <a:buFont typeface="Arial" pitchFamily="34" charset="0"/>
+              <a:buChar char="•"/>
+              <a:defRPr sz="2000"/>
+            </a:lvl8pPr>
+            <a:lvl9pPr marL="3886200" indent="-228600">
+              <a:spcBef>
+                <a:spcPct val="20000"/>
+              </a:spcBef>
+              <a:buFont typeface="Arial" pitchFamily="34" charset="0"/>
+              <a:buChar char="•"/>
+              <a:defRPr sz="2000"/>
+            </a:lvl9pPr>
+          </a:lstStyle>
+          <a:p>
+            <a:r>
+              <a:rPr lang="en-US" dirty="0"/>
+              <a:t>Workshop content:</a:t>
+            </a:r>
+          </a:p>
+          <a:p>
+            <a:pPr marL="0" indent="0">
+              <a:buNone/>
+            </a:pPr>
+            <a:r>
+              <a:rPr lang="en-US" dirty="0"/>
+              <a:t>	</a:t>
+            </a:r>
+            <a:r>
+              <a:rPr lang="en-US" dirty="0">
+                <a:hlinkClick r:id="rId6"/>
+              </a:rPr>
+              <a:t>https://github.com/yairs2000/DataInCloud</a:t>
+            </a:r>
+            <a:endParaRPr lang="en-US" dirty="0"/>
+          </a:p>
+          <a:p>
+            <a:pPr marL="0" indent="0">
+              <a:buNone/>
+            </a:pPr>
+            <a:endParaRPr lang="en-US" dirty="0"/>
+          </a:p>
+          <a:p>
+            <a:pPr marL="0" indent="0">
+              <a:buNone/>
+            </a:pPr>
+            <a:r>
+              <a:rPr lang="en-US" dirty="0">
+                <a:solidFill>
+                  <a:srgbClr val="FF0000"/>
+                </a:solidFill>
+              </a:rPr>
+              <a:t>Not meant to deliver production experience. Just the basics.</a:t>
+            </a:r>
+            <a:endParaRPr lang="en-US" dirty="0">
+              <a:solidFill>
+                <a:srgbClr val="FF0000"/>
+              </a:solidFill>
+              <a:cs typeface="Calibri"/>
+            </a:endParaRPr>
+          </a:p>
+        </p:txBody>
+      </p:sp>
+    </p:spTree>
+    <p:extLst>
+      <p:ext uri="{BB962C8B-B14F-4D97-AF65-F5344CB8AC3E}">
+        <p14:creationId xmlns:p14="http://schemas.microsoft.com/office/powerpoint/2010/main" val="1362773674"/>
+      </p:ext>
+    </p:extLst>
+  </p:cSld>
+  <p:clrMapOvr>
+    <a:masterClrMapping/>
+  </p:clrMapOvr>
+</p:sld>
+</file>
+
+<file path=ppt/slides/slide6.xml><?xml version="1.0" encoding="utf-8"?>
+<p:sld xmlns:a="http://schemas.openxmlformats.org/drawingml/2006/main" xmlns:r="http://schemas.openxmlformats.org/officeDocument/2006/relationships" xmlns:p="http://schemas.openxmlformats.org/presentationml/2006/main">
+  <p:cSld>
+    <p:spTree>
+      <p:nvGrpSpPr>
+        <p:cNvPr id="1" name=""/>
+        <p:cNvGrpSpPr/>
+        <p:nvPr/>
+      </p:nvGrpSpPr>
+      <p:grpSpPr>
+        <a:xfrm>
+          <a:off x="0" y="0"/>
+          <a:ext cx="0" cy="0"/>
+          <a:chOff x="0" y="0"/>
+          <a:chExt cx="0" cy="0"/>
+        </a:xfrm>
+      </p:grpSpPr>
+      <p:graphicFrame>
+        <p:nvGraphicFramePr>
+          <p:cNvPr id="4" name="Object 3" hidden="1">
+            <a:extLst>
+              <a:ext uri="{FF2B5EF4-FFF2-40B4-BE49-F238E27FC236}">
+                <a16:creationId xmlns:a16="http://schemas.microsoft.com/office/drawing/2014/main" id="{A5298C04-F25C-4610-BE57-07475049E5A8}"/>
+              </a:ext>
+            </a:extLst>
+          </p:cNvPr>
+          <p:cNvGraphicFramePr>
+            <a:graphicFrameLocks noChangeAspect="1"/>
+          </p:cNvGraphicFramePr>
+          <p:nvPr>
+            <p:custDataLst>
+              <p:tags r:id="rId2"/>
+            </p:custDataLst>
+            <p:extLst>
+              <p:ext uri="{D42A27DB-BD31-4B8C-83A1-F6EECF244321}">
+                <p14:modId xmlns:p14="http://schemas.microsoft.com/office/powerpoint/2010/main" val="3604409473"/>
+              </p:ext>
+            </p:extLst>
+          </p:nvPr>
+        </p:nvGraphicFramePr>
+        <p:xfrm>
+          <a:off x="1588" y="1588"/>
+          <a:ext cx="1588" cy="1588"/>
+        </p:xfrm>
+        <a:graphic>
+          <a:graphicData uri="http://schemas.openxmlformats.org/presentationml/2006/ole">
+            <mc:AlternateContent xmlns:mc="http://schemas.openxmlformats.org/markup-compatibility/2006">
+              <mc:Choice xmlns:v="urn:schemas-microsoft-com:vml" Requires="v">
+                <p:oleObj spid="_x0000_s19457" name="think-cell Slide" r:id="rId7" imgW="261" imgH="351" progId="TCLayout.ActiveDocument.1">
+                  <p:embed/>
+                </p:oleObj>
+              </mc:Choice>
+              <mc:Fallback>
+                <p:oleObj name="think-cell Slide" r:id="rId7" imgW="261" imgH="351" progId="TCLayout.ActiveDocument.1">
+                  <p:embed/>
+                  <p:pic>
+                    <p:nvPicPr>
+                      <p:cNvPr id="4" name="Object 3" hidden="1">
+                        <a:extLst>
+                          <a:ext uri="{FF2B5EF4-FFF2-40B4-BE49-F238E27FC236}">
+                            <a16:creationId xmlns:a16="http://schemas.microsoft.com/office/drawing/2014/main" id="{A5298C04-F25C-4610-BE57-07475049E5A8}"/>
+                          </a:ext>
+                        </a:extLst>
+                      </p:cNvPr>
+                      <p:cNvPicPr/>
+                      <p:nvPr/>
+                    </p:nvPicPr>
+                    <p:blipFill>
+                      <a:blip r:embed="rId8"/>
+                      <a:stretch>
+                        <a:fillRect/>
+                      </a:stretch>
+                    </p:blipFill>
+                    <p:spPr>
+                      <a:xfrm>
+                        <a:off x="1588" y="1588"/>
+                        <a:ext cx="1588" cy="1588"/>
+                      </a:xfrm>
+                      <a:prstGeom prst="rect">
+                        <a:avLst/>
+                      </a:prstGeom>
+                    </p:spPr>
+                  </p:pic>
+                </p:oleObj>
+              </mc:Fallback>
+            </mc:AlternateContent>
+          </a:graphicData>
+        </a:graphic>
+      </p:graphicFrame>
+      <p:sp>
+        <p:nvSpPr>
+          <p:cNvPr id="2" name="Title 1">
+            <a:extLst>
+              <a:ext uri="{FF2B5EF4-FFF2-40B4-BE49-F238E27FC236}">
                 <a16:creationId xmlns:a16="http://schemas.microsoft.com/office/drawing/2014/main" id="{5AC29115-8352-4BD1-8594-4A94CE33F4B5}"/>
               </a:ext>
             </a:extLst>
@@ -5075,7 +5663,7 @@
           <p:nvPr/>
         </p:nvPicPr>
         <p:blipFill>
-          <a:blip r:embed="rId8">
+          <a:blip r:embed="rId9">
             <a:extLst>
               <a:ext uri="{28A0092B-C50C-407E-A947-70E740481C1C}">
                 <a14:useLocalDpi xmlns:a14="http://schemas.microsoft.com/office/drawing/2010/main" val="0"/>
@@ -5122,7 +5710,7 @@
           <p:nvPr/>
         </p:nvPicPr>
         <p:blipFill>
-          <a:blip r:embed="rId9">
+          <a:blip r:embed="rId10">
             <a:extLst>
               <a:ext uri="{28A0092B-C50C-407E-A947-70E740481C1C}">
                 <a14:useLocalDpi xmlns:a14="http://schemas.microsoft.com/office/drawing/2010/main" val="0"/>
@@ -5169,7 +5757,7 @@
           <p:nvPr/>
         </p:nvPicPr>
         <p:blipFill>
-          <a:blip r:embed="rId10">
+          <a:blip r:embed="rId11">
             <a:extLst>
               <a:ext uri="{28A0092B-C50C-407E-A947-70E740481C1C}">
                 <a14:useLocalDpi xmlns:a14="http://schemas.microsoft.com/office/drawing/2010/main" val="0"/>
@@ -5215,7 +5803,7 @@
           </p:cNvGrpSpPr>
           <p:nvPr>
             <p:custDataLst>
-              <p:tags r:id="rId2"/>
+              <p:tags r:id="rId3"/>
             </p:custDataLst>
           </p:nvPr>
         </p:nvGrpSpPr>
@@ -5310,13 +5898,13 @@
             <p:nvPr/>
           </p:nvPicPr>
           <p:blipFill>
-            <a:blip r:embed="rId11">
+            <a:blip r:embed="rId12">
               <a:extLst>
                 <a:ext uri="{28A0092B-C50C-407E-A947-70E740481C1C}">
                   <a14:useLocalDpi xmlns:a14="http://schemas.microsoft.com/office/drawing/2010/main" val="0"/>
                 </a:ext>
                 <a:ext uri="{96DAC541-7B7A-43D3-8B79-37D633B846F1}">
-                  <asvg:svgBlip xmlns:asvg="http://schemas.microsoft.com/office/drawing/2016/SVG/main" r:embed="rId12"/>
+                  <asvg:svgBlip xmlns:asvg="http://schemas.microsoft.com/office/drawing/2016/SVG/main" r:embed="rId13"/>
                 </a:ext>
               </a:extLst>
             </a:blip>
@@ -5349,7 +5937,7 @@
           </p:cNvGrpSpPr>
           <p:nvPr>
             <p:custDataLst>
-              <p:tags r:id="rId3"/>
+              <p:tags r:id="rId4"/>
             </p:custDataLst>
           </p:nvPr>
         </p:nvGrpSpPr>
@@ -5444,13 +6032,13 @@
             <p:nvPr/>
           </p:nvPicPr>
           <p:blipFill>
-            <a:blip r:embed="rId11">
+            <a:blip r:embed="rId12">
               <a:extLst>
                 <a:ext uri="{28A0092B-C50C-407E-A947-70E740481C1C}">
                   <a14:useLocalDpi xmlns:a14="http://schemas.microsoft.com/office/drawing/2010/main" val="0"/>
                 </a:ext>
                 <a:ext uri="{96DAC541-7B7A-43D3-8B79-37D633B846F1}">
-                  <asvg:svgBlip xmlns:asvg="http://schemas.microsoft.com/office/drawing/2016/SVG/main" r:embed="rId12"/>
+                  <asvg:svgBlip xmlns:asvg="http://schemas.microsoft.com/office/drawing/2016/SVG/main" r:embed="rId13"/>
                 </a:ext>
               </a:extLst>
             </a:blip>
@@ -5483,7 +6071,7 @@
           </p:cNvGrpSpPr>
           <p:nvPr>
             <p:custDataLst>
-              <p:tags r:id="rId4"/>
+              <p:tags r:id="rId5"/>
             </p:custDataLst>
           </p:nvPr>
         </p:nvGrpSpPr>
@@ -5578,13 +6166,13 @@
             <p:nvPr/>
           </p:nvPicPr>
           <p:blipFill>
-            <a:blip r:embed="rId13">
+            <a:blip r:embed="rId14">
               <a:extLst>
                 <a:ext uri="{28A0092B-C50C-407E-A947-70E740481C1C}">
                   <a14:useLocalDpi xmlns:a14="http://schemas.microsoft.com/office/drawing/2010/main" val="0"/>
                 </a:ext>
                 <a:ext uri="{96DAC541-7B7A-43D3-8B79-37D633B846F1}">
-                  <asvg:svgBlip xmlns:asvg="http://schemas.microsoft.com/office/drawing/2016/SVG/main" r:embed="rId14"/>
+                  <asvg:svgBlip xmlns:asvg="http://schemas.microsoft.com/office/drawing/2016/SVG/main" r:embed="rId15"/>
                 </a:ext>
               </a:extLst>
             </a:blip>
@@ -5616,7 +6204,7 @@
 </p:sld>
 </file>
 
-<file path=ppt/slides/slide6.xml><?xml version="1.0" encoding="utf-8"?>
+<file path=ppt/slides/slide7.xml><?xml version="1.0" encoding="utf-8"?>
 <p:sld xmlns:a="http://schemas.openxmlformats.org/drawingml/2006/main" xmlns:r="http://schemas.openxmlformats.org/officeDocument/2006/relationships" xmlns:p="http://schemas.openxmlformats.org/presentationml/2006/main">
   <p:cSld>
     <p:spTree>
@@ -5647,7 +6235,7 @@
           </p:cNvGraphicFramePr>
           <p:nvPr>
             <p:custDataLst>
-              <p:tags r:id="rId1"/>
+              <p:tags r:id="rId2"/>
             </p:custDataLst>
             <p:extLst>
               <p:ext uri="{D42A27DB-BD31-4B8C-83A1-F6EECF244321}">
@@ -5664,21 +6252,27 @@
           <a:graphicData uri="http://schemas.openxmlformats.org/presentationml/2006/ole">
             <mc:AlternateContent xmlns:mc="http://schemas.openxmlformats.org/markup-compatibility/2006">
               <mc:Choice xmlns:v="urn:schemas-microsoft-com:vml" Requires="v">
-                <p:oleObj name="think-cell Slide" r:id="rId3" imgW="261" imgH="351" progId="TCLayout.ActiveDocument.1">
+                <p:oleObj spid="_x0000_s20481" name="think-cell Slide" r:id="rId4" imgW="261" imgH="351" progId="TCLayout.ActiveDocument.1">
                   <p:embed/>
                 </p:oleObj>
               </mc:Choice>
               <mc:Fallback>
-                <p:oleObj name="think-cell Slide" r:id="rId3" imgW="261" imgH="351" progId="TCLayout.ActiveDocument.1">
+                <p:oleObj name="think-cell Slide" r:id="rId4" imgW="261" imgH="351" progId="TCLayout.ActiveDocument.1">
                   <p:embed/>
                   <p:pic>
                     <p:nvPicPr>
-                      <p:cNvPr id="0" name=""/>
+                      <p:cNvPr id="4" name="Object 3" hidden="1">
+                        <a:extLst>
+                          <a:ext uri="{FF2B5EF4-FFF2-40B4-BE49-F238E27FC236}">
+                            <a16:creationId xmlns:a16="http://schemas.microsoft.com/office/drawing/2014/main" id="{0A6B6E02-0C95-4FB5-9F09-39AB7CE1D02A}"/>
+                          </a:ext>
+                        </a:extLst>
+                      </p:cNvPr>
                       <p:cNvPicPr/>
                       <p:nvPr/>
                     </p:nvPicPr>
                     <p:blipFill>
-                      <a:blip r:embed="rId4"/>
+                      <a:blip r:embed="rId5"/>
                       <a:stretch>
                         <a:fillRect/>
                       </a:stretch>
@@ -5749,14 +6343,14 @@
         <p:spPr>
           <a:xfrm>
             <a:off x="457200" y="1600200"/>
-            <a:ext cx="3048000" cy="1766637"/>
+            <a:ext cx="3048000" cy="2948499"/>
           </a:xfrm>
           <a:prstGeom prst="rect">
             <a:avLst/>
           </a:prstGeom>
         </p:spPr>
         <p:txBody>
-          <a:bodyPr vert="horz" lIns="91440" tIns="45720" rIns="91440" bIns="45720" rtlCol="0">
+          <a:bodyPr vert="horz" lIns="91440" tIns="45720" rIns="91440" bIns="45720" rtlCol="0" anchor="t">
             <a:spAutoFit/>
           </a:bodyPr>
           <a:lstStyle>
@@ -5849,6 +6443,28 @@
             <a:r>
               <a:rPr lang="en-US" dirty="0"/>
               <a:t>VS Code</a:t>
+            </a:r>
+          </a:p>
+          <a:p>
+            <a:r>
+              <a:rPr lang="en-US" dirty="0">
+                <a:solidFill>
+                  <a:srgbClr val="FF0000"/>
+                </a:solidFill>
+                <a:cs typeface="Calibri"/>
+              </a:rPr>
+              <a:t>AWS CLI/SDK</a:t>
+            </a:r>
+          </a:p>
+          <a:p>
+            <a:r>
+              <a:rPr lang="en-US" dirty="0">
+                <a:solidFill>
+                  <a:srgbClr val="FF0000"/>
+                </a:solidFill>
+                <a:cs typeface="Calibri"/>
+              </a:rPr>
+              <a:t>AZURE CLI/SDK</a:t>
             </a:r>
           </a:p>
         </p:txBody>
@@ -5866,7 +6482,7 @@
 </p:sld>
 </file>
 
-<file path=ppt/slides/slide7.xml><?xml version="1.0" encoding="utf-8"?>
+<file path=ppt/slides/slide8.xml><?xml version="1.0" encoding="utf-8"?>
 <p:sld xmlns:a="http://schemas.openxmlformats.org/drawingml/2006/main" xmlns:r="http://schemas.openxmlformats.org/officeDocument/2006/relationships" xmlns:p="http://schemas.openxmlformats.org/presentationml/2006/main">
   <p:cSld>
     <p:spTree>
@@ -5897,7 +6513,7 @@
           </p:cNvGraphicFramePr>
           <p:nvPr>
             <p:custDataLst>
-              <p:tags r:id="rId1"/>
+              <p:tags r:id="rId2"/>
             </p:custDataLst>
             <p:extLst>
               <p:ext uri="{D42A27DB-BD31-4B8C-83A1-F6EECF244321}">
@@ -5914,21 +6530,27 @@
           <a:graphicData uri="http://schemas.openxmlformats.org/presentationml/2006/ole">
             <mc:AlternateContent xmlns:mc="http://schemas.openxmlformats.org/markup-compatibility/2006">
               <mc:Choice xmlns:v="urn:schemas-microsoft-com:vml" Requires="v">
-                <p:oleObj name="think-cell Slide" r:id="rId3" imgW="261" imgH="351" progId="TCLayout.ActiveDocument.1">
+                <p:oleObj spid="_x0000_s21505" name="think-cell Slide" r:id="rId4" imgW="261" imgH="351" progId="TCLayout.ActiveDocument.1">
                   <p:embed/>
                 </p:oleObj>
               </mc:Choice>
               <mc:Fallback>
-                <p:oleObj name="think-cell Slide" r:id="rId3" imgW="261" imgH="351" progId="TCLayout.ActiveDocument.1">
+                <p:oleObj name="think-cell Slide" r:id="rId4" imgW="261" imgH="351" progId="TCLayout.ActiveDocument.1">
                   <p:embed/>
                   <p:pic>
                     <p:nvPicPr>
-                      <p:cNvPr id="0" name=""/>
+                      <p:cNvPr id="4" name="Object 3" hidden="1">
+                        <a:extLst>
+                          <a:ext uri="{FF2B5EF4-FFF2-40B4-BE49-F238E27FC236}">
+                            <a16:creationId xmlns:a16="http://schemas.microsoft.com/office/drawing/2014/main" id="{45DC7721-8111-44CC-A535-0DB89EE6F34B}"/>
+                          </a:ext>
+                        </a:extLst>
+                      </p:cNvPr>
                       <p:cNvPicPr/>
                       <p:nvPr/>
                     </p:nvPicPr>
                     <p:blipFill>
-                      <a:blip r:embed="rId4"/>
+                      <a:blip r:embed="rId5"/>
                       <a:stretch>
                         <a:fillRect/>
                       </a:stretch>
@@ -6101,7 +6723,7 @@
           <p:nvPr/>
         </p:nvPicPr>
         <p:blipFill>
-          <a:blip r:embed="rId5">
+          <a:blip r:embed="rId6">
             <a:extLst>
               <a:ext uri="{28A0092B-C50C-407E-A947-70E740481C1C}">
                 <a14:useLocalDpi xmlns:a14="http://schemas.microsoft.com/office/drawing/2010/main" val="0"/>
@@ -6255,7 +6877,7 @@
           <p:nvPr/>
         </p:nvPicPr>
         <p:blipFill>
-          <a:blip r:embed="rId6">
+          <a:blip r:embed="rId7">
             <a:extLst>
               <a:ext uri="{28A0092B-C50C-407E-A947-70E740481C1C}">
                 <a14:useLocalDpi xmlns:a14="http://schemas.microsoft.com/office/drawing/2010/main" val="0"/>
@@ -6562,7 +7184,7 @@
 </p:sld>
 </file>
 
-<file path=ppt/slides/slide8.xml><?xml version="1.0" encoding="utf-8"?>
+<file path=ppt/slides/slide9.xml><?xml version="1.0" encoding="utf-8"?>
 <p:sld xmlns:a="http://schemas.openxmlformats.org/drawingml/2006/main" xmlns:r="http://schemas.openxmlformats.org/officeDocument/2006/relationships" xmlns:p="http://schemas.openxmlformats.org/presentationml/2006/main">
   <p:cSld>
     <p:spTree>
@@ -6593,7 +7215,7 @@
           </p:cNvGraphicFramePr>
           <p:nvPr>
             <p:custDataLst>
-              <p:tags r:id="rId1"/>
+              <p:tags r:id="rId2"/>
             </p:custDataLst>
             <p:extLst>
               <p:ext uri="{D42A27DB-BD31-4B8C-83A1-F6EECF244321}">
@@ -6610,21 +7232,27 @@
           <a:graphicData uri="http://schemas.openxmlformats.org/presentationml/2006/ole">
             <mc:AlternateContent xmlns:mc="http://schemas.openxmlformats.org/markup-compatibility/2006">
               <mc:Choice xmlns:v="urn:schemas-microsoft-com:vml" Requires="v">
-                <p:oleObj name="think-cell Slide" r:id="rId3" imgW="261" imgH="351" progId="TCLayout.ActiveDocument.1">
+                <p:oleObj spid="_x0000_s22529" name="think-cell Slide" r:id="rId4" imgW="261" imgH="351" progId="TCLayout.ActiveDocument.1">
                   <p:embed/>
                 </p:oleObj>
               </mc:Choice>
               <mc:Fallback>
-                <p:oleObj name="think-cell Slide" r:id="rId3" imgW="261" imgH="351" progId="TCLayout.ActiveDocument.1">
+                <p:oleObj name="think-cell Slide" r:id="rId4" imgW="261" imgH="351" progId="TCLayout.ActiveDocument.1">
                   <p:embed/>
                   <p:pic>
                     <p:nvPicPr>
-                      <p:cNvPr id="0" name=""/>
+                      <p:cNvPr id="4" name="Object 3" hidden="1">
+                        <a:extLst>
+                          <a:ext uri="{FF2B5EF4-FFF2-40B4-BE49-F238E27FC236}">
+                            <a16:creationId xmlns:a16="http://schemas.microsoft.com/office/drawing/2014/main" id="{B24A5E92-52E4-47FD-9357-0FC960DEFF2A}"/>
+                          </a:ext>
+                        </a:extLst>
+                      </p:cNvPr>
                       <p:cNvPicPr/>
                       <p:nvPr/>
                     </p:nvPicPr>
                     <p:blipFill>
-                      <a:blip r:embed="rId4"/>
+                      <a:blip r:embed="rId5"/>
                       <a:stretch>
                         <a:fillRect/>
                       </a:stretch>
@@ -6797,7 +7425,7 @@
           <p:nvPr/>
         </p:nvPicPr>
         <p:blipFill>
-          <a:blip r:embed="rId5">
+          <a:blip r:embed="rId6">
             <a:extLst>
               <a:ext uri="{28A0092B-C50C-407E-A947-70E740481C1C}">
                 <a14:useLocalDpi xmlns:a14="http://schemas.microsoft.com/office/drawing/2010/main" val="0"/>
@@ -6833,132 +7461,6 @@
     <p:extLst>
       <p:ext uri="{BB962C8B-B14F-4D97-AF65-F5344CB8AC3E}">
         <p14:creationId xmlns:p14="http://schemas.microsoft.com/office/powerpoint/2010/main" val="3619431667"/>
-      </p:ext>
-    </p:extLst>
-  </p:cSld>
-  <p:clrMapOvr>
-    <a:masterClrMapping/>
-  </p:clrMapOvr>
-</p:sld>
-</file>
-
-<file path=ppt/slides/slide9.xml><?xml version="1.0" encoding="utf-8"?>
-<p:sld xmlns:a="http://schemas.openxmlformats.org/drawingml/2006/main" xmlns:r="http://schemas.openxmlformats.org/officeDocument/2006/relationships" xmlns:p="http://schemas.openxmlformats.org/presentationml/2006/main">
-  <p:cSld>
-    <p:spTree>
-      <p:nvGrpSpPr>
-        <p:cNvPr id="1" name=""/>
-        <p:cNvGrpSpPr/>
-        <p:nvPr/>
-      </p:nvGrpSpPr>
-      <p:grpSpPr>
-        <a:xfrm>
-          <a:off x="0" y="0"/>
-          <a:ext cx="0" cy="0"/>
-          <a:chOff x="0" y="0"/>
-          <a:chExt cx="0" cy="0"/>
-        </a:xfrm>
-      </p:grpSpPr>
-      <p:graphicFrame>
-        <p:nvGraphicFramePr>
-          <p:cNvPr id="4" name="Object 3" hidden="1">
-            <a:extLst>
-              <a:ext uri="{FF2B5EF4-FFF2-40B4-BE49-F238E27FC236}">
-                <a16:creationId xmlns:a16="http://schemas.microsoft.com/office/drawing/2014/main" id="{5A14534E-4A9D-4F32-9EC1-360DCA014763}"/>
-              </a:ext>
-            </a:extLst>
-          </p:cNvPr>
-          <p:cNvGraphicFramePr>
-            <a:graphicFrameLocks noChangeAspect="1"/>
-          </p:cNvGraphicFramePr>
-          <p:nvPr>
-            <p:custDataLst>
-              <p:tags r:id="rId1"/>
-            </p:custDataLst>
-            <p:extLst>
-              <p:ext uri="{D42A27DB-BD31-4B8C-83A1-F6EECF244321}">
-                <p14:modId xmlns:p14="http://schemas.microsoft.com/office/powerpoint/2010/main" val="483995157"/>
-              </p:ext>
-            </p:extLst>
-          </p:nvPr>
-        </p:nvGraphicFramePr>
-        <p:xfrm>
-          <a:off x="1588" y="1588"/>
-          <a:ext cx="1588" cy="1588"/>
-        </p:xfrm>
-        <a:graphic>
-          <a:graphicData uri="http://schemas.openxmlformats.org/presentationml/2006/ole">
-            <mc:AlternateContent xmlns:mc="http://schemas.openxmlformats.org/markup-compatibility/2006">
-              <mc:Choice xmlns:v="urn:schemas-microsoft-com:vml" Requires="v">
-                <p:oleObj name="think-cell Slide" r:id="rId3" imgW="261" imgH="351" progId="TCLayout.ActiveDocument.1">
-                  <p:embed/>
-                </p:oleObj>
-              </mc:Choice>
-              <mc:Fallback>
-                <p:oleObj name="think-cell Slide" r:id="rId3" imgW="261" imgH="351" progId="TCLayout.ActiveDocument.1">
-                  <p:embed/>
-                  <p:pic>
-                    <p:nvPicPr>
-                      <p:cNvPr id="0" name=""/>
-                      <p:cNvPicPr/>
-                      <p:nvPr/>
-                    </p:nvPicPr>
-                    <p:blipFill>
-                      <a:blip r:embed="rId4"/>
-                      <a:stretch>
-                        <a:fillRect/>
-                      </a:stretch>
-                    </p:blipFill>
-                    <p:spPr>
-                      <a:xfrm>
-                        <a:off x="1588" y="1588"/>
-                        <a:ext cx="1588" cy="1588"/>
-                      </a:xfrm>
-                      <a:prstGeom prst="rect">
-                        <a:avLst/>
-                      </a:prstGeom>
-                    </p:spPr>
-                  </p:pic>
-                </p:oleObj>
-              </mc:Fallback>
-            </mc:AlternateContent>
-          </a:graphicData>
-        </a:graphic>
-      </p:graphicFrame>
-      <p:sp>
-        <p:nvSpPr>
-          <p:cNvPr id="2" name="Title 1">
-            <a:extLst>
-              <a:ext uri="{FF2B5EF4-FFF2-40B4-BE49-F238E27FC236}">
-                <a16:creationId xmlns:a16="http://schemas.microsoft.com/office/drawing/2014/main" id="{73708A5C-02CD-47D5-8578-75C1036A6C1F}"/>
-              </a:ext>
-            </a:extLst>
-          </p:cNvPr>
-          <p:cNvSpPr>
-            <a:spLocks noGrp="1"/>
-          </p:cNvSpPr>
-          <p:nvPr>
-            <p:ph type="title"/>
-          </p:nvPr>
-        </p:nvSpPr>
-        <p:spPr/>
-        <p:txBody>
-          <a:bodyPr vert="horz">
-            <a:normAutofit/>
-          </a:bodyPr>
-          <a:lstStyle/>
-          <a:p>
-            <a:r>
-              <a:rPr lang="en-US" dirty="0"/>
-              <a:t>General architecture</a:t>
-            </a:r>
-          </a:p>
-        </p:txBody>
-      </p:sp>
-    </p:spTree>
-    <p:extLst>
-      <p:ext uri="{BB962C8B-B14F-4D97-AF65-F5344CB8AC3E}">
-        <p14:creationId xmlns:p14="http://schemas.microsoft.com/office/powerpoint/2010/main" val="4215340635"/>
       </p:ext>
     </p:extLst>
   </p:cSld>
